--- a/Share/每周命题游戏设计/葛美玲/四季.pptx
+++ b/Share/每周命题游戏设计/葛美玲/四季.pptx
@@ -106,6 +106,11 @@
       </a:defRPr>
     </a:lvl9pPr>
   </p:defaultTextStyle>
+  <p:extLst>
+    <p:ext uri="{EFAFB233-063F-42B5-8137-9DF3F51BA10A}">
+      <p15:sldGuideLst xmlns:p15="http://schemas.microsoft.com/office/powerpoint/2012/main"/>
+    </p:ext>
+  </p:extLst>
 </p:presentation>
 </file>
 
@@ -191,6 +196,11 @@
                 </a:outerShdw>
               </a:effectLst>
             </c:spPr>
+            <c:extLst>
+              <c:ext xmlns:c16="http://schemas.microsoft.com/office/drawing/2014/chart" uri="{C3380CC4-5D6E-409C-BE32-E72D297353CC}">
+                <c16:uniqueId val="{00000001-948C-4386-ADB9-6A24DEE2030E}"/>
+              </c:ext>
+            </c:extLst>
           </c:dPt>
           <c:dPt>
             <c:idx val="1"/>
@@ -234,6 +244,11 @@
                 </a:outerShdw>
               </a:effectLst>
             </c:spPr>
+            <c:extLst>
+              <c:ext xmlns:c16="http://schemas.microsoft.com/office/drawing/2014/chart" uri="{C3380CC4-5D6E-409C-BE32-E72D297353CC}">
+                <c16:uniqueId val="{00000005-948C-4386-ADB9-6A24DEE2030E}"/>
+              </c:ext>
+            </c:extLst>
           </c:dPt>
           <c:dPt>
             <c:idx val="3"/>
@@ -316,12 +331,28 @@
               <c:showBubbleSize val="0"/>
               <c:extLst>
                 <c:ext xmlns:c15="http://schemas.microsoft.com/office/drawing/2012/chart" uri="{CE6537A1-D6FC-4f65-9D91-7224C49458BB}">
-                  <c15:layout>
-                    <c:manualLayout>
-                      <c:w val="6.6305552332771828E-2"/>
-                      <c:h val="5.6135533754731182E-2"/>
-                    </c:manualLayout>
-                  </c15:layout>
+                  <c15:spPr xmlns:c15="http://schemas.microsoft.com/office/drawing/2012/chart">
+                    <a:prstGeom prst="rect">
+                      <a:avLst/>
+                    </a:prstGeom>
+                    <a:pattFill prst="pct75">
+                      <a:fgClr>
+                        <a:schemeClr val="dk1">
+                          <a:lumMod val="75000"/>
+                          <a:lumOff val="25000"/>
+                        </a:schemeClr>
+                      </a:fgClr>
+                      <a:bgClr>
+                        <a:schemeClr val="dk1">
+                          <a:lumMod val="65000"/>
+                          <a:lumOff val="35000"/>
+                        </a:schemeClr>
+                      </a:bgClr>
+                    </a:pattFill>
+                    <a:ln>
+                      <a:noFill/>
+                    </a:ln>
+                  </c15:spPr>
                 </c:ext>
                 <c:ext xmlns:c16="http://schemas.microsoft.com/office/drawing/2014/chart" uri="{C3380CC4-5D6E-409C-BE32-E72D297353CC}">
                   <c16:uniqueId val="{00000002-C711-48DF-9E0B-D70C7E609264}"/>
@@ -336,10 +367,9 @@
                   <a:lstStyle/>
                   <a:p>
                     <a:r>
-                      <a:rPr lang="en-US" altLang="zh-CN"/>
-                      <a:t>10%</a:t>
+                      <a:rPr lang="en-US" altLang="zh-CN" dirty="0"/>
+                      <a:t>25%</a:t>
                     </a:r>
-                    <a:endParaRPr lang="en-US" altLang="zh-CN" dirty="0"/>
                   </a:p>
                 </c:rich>
               </c:tx>
@@ -7221,7 +7251,7 @@
           <p:nvPr>
             <p:extLst>
               <p:ext uri="{D42A27DB-BD31-4B8C-83A1-F6EECF244321}">
-                <p14:modId xmlns:p14="http://schemas.microsoft.com/office/powerpoint/2010/main" val="1238673213"/>
+                <p14:modId xmlns:p14="http://schemas.microsoft.com/office/powerpoint/2010/main" val="2747082933"/>
               </p:ext>
             </p:extLst>
           </p:nvPr>

--- a/Share/每周命题游戏设计/葛美玲/四季.pptx
+++ b/Share/每周命题游戏设计/葛美玲/四季.pptx
@@ -8,6 +8,9 @@
     <p:sldId id="256" r:id="rId2"/>
     <p:sldId id="257" r:id="rId3"/>
     <p:sldId id="258" r:id="rId4"/>
+    <p:sldId id="259" r:id="rId5"/>
+    <p:sldId id="261" r:id="rId6"/>
+    <p:sldId id="260" r:id="rId7"/>
   </p:sldIdLst>
   <p:sldSz cx="12192000" cy="6858000"/>
   <p:notesSz cx="6858000" cy="9144000"/>
@@ -112,1151 +115,6 @@
     </p:ext>
   </p:extLst>
 </p:presentation>
-</file>
-
-<file path=ppt/charts/chart1.xml><?xml version="1.0" encoding="utf-8"?>
-<c:chartSpace xmlns:c="http://schemas.openxmlformats.org/drawingml/2006/chart" xmlns:a="http://schemas.openxmlformats.org/drawingml/2006/main" xmlns:r="http://schemas.openxmlformats.org/officeDocument/2006/relationships" xmlns:c16r2="http://schemas.microsoft.com/office/drawing/2015/06/chart">
-  <c:date1904 val="0"/>
-  <c:lang val="zh-CN"/>
-  <c:roundedCorners val="0"/>
-  <mc:AlternateContent xmlns:mc="http://schemas.openxmlformats.org/markup-compatibility/2006">
-    <mc:Choice xmlns:c14="http://schemas.microsoft.com/office/drawing/2007/8/2/chart" Requires="c14">
-      <c14:style val="102"/>
-    </mc:Choice>
-    <mc:Fallback>
-      <c:style val="2"/>
-    </mc:Fallback>
-  </mc:AlternateContent>
-  <c:chart>
-    <c:title>
-      <c:overlay val="0"/>
-      <c:spPr>
-        <a:noFill/>
-        <a:ln>
-          <a:noFill/>
-        </a:ln>
-        <a:effectLst/>
-      </c:spPr>
-      <c:txPr>
-        <a:bodyPr rot="0" spcFirstLastPara="1" vertOverflow="ellipsis" vert="horz" wrap="square" anchor="ctr" anchorCtr="1"/>
-        <a:lstStyle/>
-        <a:p>
-          <a:pPr>
-            <a:defRPr sz="2200" b="1" i="0" u="none" strike="noStrike" kern="1200" baseline="0">
-              <a:solidFill>
-                <a:schemeClr val="dk1">
-                  <a:lumMod val="75000"/>
-                  <a:lumOff val="25000"/>
-                </a:schemeClr>
-              </a:solidFill>
-              <a:latin typeface="+mn-lt"/>
-              <a:ea typeface="+mn-ea"/>
-              <a:cs typeface="+mn-cs"/>
-            </a:defRPr>
-          </a:pPr>
-          <a:endParaRPr lang="zh-CN"/>
-        </a:p>
-      </c:txPr>
-    </c:title>
-    <c:autoTitleDeleted val="0"/>
-    <c:plotArea>
-      <c:layout/>
-      <c:pieChart>
-        <c:varyColors val="1"/>
-        <c:ser>
-          <c:idx val="0"/>
-          <c:order val="0"/>
-          <c:tx>
-            <c:strRef>
-              <c:f>Sheet1!$B$1</c:f>
-              <c:strCache>
-                <c:ptCount val="1"/>
-                <c:pt idx="0">
-                  <c:v>比例</c:v>
-                </c:pt>
-              </c:strCache>
-            </c:strRef>
-          </c:tx>
-          <c:explosion val="1"/>
-          <c:dPt>
-            <c:idx val="0"/>
-            <c:bubble3D val="0"/>
-            <c:spPr>
-              <a:solidFill>
-                <a:schemeClr val="accent1"/>
-              </a:solidFill>
-              <a:ln>
-                <a:noFill/>
-              </a:ln>
-              <a:effectLst>
-                <a:outerShdw blurRad="254000" sx="102000" sy="102000" algn="ctr" rotWithShape="0">
-                  <a:prstClr val="black">
-                    <a:alpha val="20000"/>
-                  </a:prstClr>
-                </a:outerShdw>
-              </a:effectLst>
-            </c:spPr>
-            <c:extLst>
-              <c:ext xmlns:c16="http://schemas.microsoft.com/office/drawing/2014/chart" uri="{C3380CC4-5D6E-409C-BE32-E72D297353CC}">
-                <c16:uniqueId val="{00000001-948C-4386-ADB9-6A24DEE2030E}"/>
-              </c:ext>
-            </c:extLst>
-          </c:dPt>
-          <c:dPt>
-            <c:idx val="1"/>
-            <c:bubble3D val="0"/>
-            <c:spPr>
-              <a:solidFill>
-                <a:schemeClr val="accent2"/>
-              </a:solidFill>
-              <a:ln>
-                <a:noFill/>
-              </a:ln>
-              <a:effectLst>
-                <a:outerShdw blurRad="254000" sx="102000" sy="102000" algn="ctr" rotWithShape="0">
-                  <a:prstClr val="black">
-                    <a:alpha val="20000"/>
-                  </a:prstClr>
-                </a:outerShdw>
-              </a:effectLst>
-            </c:spPr>
-            <c:extLst>
-              <c:ext xmlns:c16="http://schemas.microsoft.com/office/drawing/2014/chart" uri="{C3380CC4-5D6E-409C-BE32-E72D297353CC}">
-                <c16:uniqueId val="{00000002-C711-48DF-9E0B-D70C7E609264}"/>
-              </c:ext>
-            </c:extLst>
-          </c:dPt>
-          <c:dPt>
-            <c:idx val="2"/>
-            <c:bubble3D val="0"/>
-            <c:spPr>
-              <a:solidFill>
-                <a:schemeClr val="accent3"/>
-              </a:solidFill>
-              <a:ln>
-                <a:noFill/>
-              </a:ln>
-              <a:effectLst>
-                <a:outerShdw blurRad="254000" sx="102000" sy="102000" algn="ctr" rotWithShape="0">
-                  <a:prstClr val="black">
-                    <a:alpha val="20000"/>
-                  </a:prstClr>
-                </a:outerShdw>
-              </a:effectLst>
-            </c:spPr>
-            <c:extLst>
-              <c:ext xmlns:c16="http://schemas.microsoft.com/office/drawing/2014/chart" uri="{C3380CC4-5D6E-409C-BE32-E72D297353CC}">
-                <c16:uniqueId val="{00000005-948C-4386-ADB9-6A24DEE2030E}"/>
-              </c:ext>
-            </c:extLst>
-          </c:dPt>
-          <c:dPt>
-            <c:idx val="3"/>
-            <c:bubble3D val="0"/>
-            <c:spPr>
-              <a:solidFill>
-                <a:schemeClr val="accent4"/>
-              </a:solidFill>
-              <a:ln>
-                <a:noFill/>
-              </a:ln>
-              <a:effectLst>
-                <a:outerShdw blurRad="254000" sx="102000" sy="102000" algn="ctr" rotWithShape="0">
-                  <a:prstClr val="black">
-                    <a:alpha val="20000"/>
-                  </a:prstClr>
-                </a:outerShdw>
-              </a:effectLst>
-            </c:spPr>
-            <c:extLst>
-              <c:ext xmlns:c16="http://schemas.microsoft.com/office/drawing/2014/chart" uri="{C3380CC4-5D6E-409C-BE32-E72D297353CC}">
-                <c16:uniqueId val="{00000001-C711-48DF-9E0B-D70C7E609264}"/>
-              </c:ext>
-            </c:extLst>
-          </c:dPt>
-          <c:dLbls>
-            <c:dLbl>
-              <c:idx val="1"/>
-              <c:spPr>
-                <a:pattFill prst="pct75">
-                  <a:fgClr>
-                    <a:schemeClr val="dk1">
-                      <a:lumMod val="75000"/>
-                      <a:lumOff val="25000"/>
-                    </a:schemeClr>
-                  </a:fgClr>
-                  <a:bgClr>
-                    <a:schemeClr val="dk1">
-                      <a:lumMod val="65000"/>
-                      <a:lumOff val="35000"/>
-                    </a:schemeClr>
-                  </a:bgClr>
-                </a:pattFill>
-                <a:ln>
-                  <a:noFill/>
-                </a:ln>
-                <a:effectLst>
-                  <a:outerShdw blurRad="50800" dist="38100" dir="2700000" algn="tl" rotWithShape="0">
-                    <a:prstClr val="black">
-                      <a:alpha val="40000"/>
-                    </a:prstClr>
-                  </a:outerShdw>
-                </a:effectLst>
-              </c:spPr>
-              <c:txPr>
-                <a:bodyPr rot="0" spcFirstLastPara="1" vertOverflow="ellipsis" vert="horz" wrap="square" lIns="38100" tIns="19050" rIns="38100" bIns="19050" anchor="ctr" anchorCtr="1">
-                  <a:noAutofit/>
-                </a:bodyPr>
-                <a:lstStyle/>
-                <a:p>
-                  <a:pPr>
-                    <a:defRPr sz="1330" b="1" i="0" u="none" strike="noStrike" kern="1200" baseline="0">
-                      <a:solidFill>
-                        <a:schemeClr val="lt1"/>
-                      </a:solidFill>
-                      <a:latin typeface="+mn-lt"/>
-                      <a:ea typeface="+mn-ea"/>
-                      <a:cs typeface="+mn-cs"/>
-                    </a:defRPr>
-                  </a:pPr>
-                  <a:endParaRPr lang="zh-CN"/>
-                </a:p>
-              </c:txPr>
-              <c:dLblPos val="ctr"/>
-              <c:showLegendKey val="0"/>
-              <c:showVal val="0"/>
-              <c:showCatName val="0"/>
-              <c:showSerName val="0"/>
-              <c:showPercent val="1"/>
-              <c:showBubbleSize val="0"/>
-              <c:extLst>
-                <c:ext xmlns:c15="http://schemas.microsoft.com/office/drawing/2012/chart" uri="{CE6537A1-D6FC-4f65-9D91-7224C49458BB}">
-                  <c15:spPr xmlns:c15="http://schemas.microsoft.com/office/drawing/2012/chart">
-                    <a:prstGeom prst="rect">
-                      <a:avLst/>
-                    </a:prstGeom>
-                    <a:pattFill prst="pct75">
-                      <a:fgClr>
-                        <a:schemeClr val="dk1">
-                          <a:lumMod val="75000"/>
-                          <a:lumOff val="25000"/>
-                        </a:schemeClr>
-                      </a:fgClr>
-                      <a:bgClr>
-                        <a:schemeClr val="dk1">
-                          <a:lumMod val="65000"/>
-                          <a:lumOff val="35000"/>
-                        </a:schemeClr>
-                      </a:bgClr>
-                    </a:pattFill>
-                    <a:ln>
-                      <a:noFill/>
-                    </a:ln>
-                  </c15:spPr>
-                </c:ext>
-                <c:ext xmlns:c16="http://schemas.microsoft.com/office/drawing/2014/chart" uri="{C3380CC4-5D6E-409C-BE32-E72D297353CC}">
-                  <c16:uniqueId val="{00000002-C711-48DF-9E0B-D70C7E609264}"/>
-                </c:ext>
-              </c:extLst>
-            </c:dLbl>
-            <c:dLbl>
-              <c:idx val="3"/>
-              <c:tx>
-                <c:rich>
-                  <a:bodyPr/>
-                  <a:lstStyle/>
-                  <a:p>
-                    <a:r>
-                      <a:rPr lang="en-US" altLang="zh-CN" dirty="0"/>
-                      <a:t>25%</a:t>
-                    </a:r>
-                  </a:p>
-                </c:rich>
-              </c:tx>
-              <c:dLblPos val="ctr"/>
-              <c:showLegendKey val="0"/>
-              <c:showVal val="0"/>
-              <c:showCatName val="0"/>
-              <c:showSerName val="0"/>
-              <c:showPercent val="1"/>
-              <c:showBubbleSize val="0"/>
-              <c:extLst>
-                <c:ext xmlns:c15="http://schemas.microsoft.com/office/drawing/2012/chart" uri="{CE6537A1-D6FC-4f65-9D91-7224C49458BB}"/>
-                <c:ext xmlns:c16="http://schemas.microsoft.com/office/drawing/2014/chart" uri="{C3380CC4-5D6E-409C-BE32-E72D297353CC}">
-                  <c16:uniqueId val="{00000001-C711-48DF-9E0B-D70C7E609264}"/>
-                </c:ext>
-              </c:extLst>
-            </c:dLbl>
-            <c:spPr>
-              <a:pattFill prst="pct75">
-                <a:fgClr>
-                  <a:schemeClr val="dk1">
-                    <a:lumMod val="75000"/>
-                    <a:lumOff val="25000"/>
-                  </a:schemeClr>
-                </a:fgClr>
-                <a:bgClr>
-                  <a:schemeClr val="dk1">
-                    <a:lumMod val="65000"/>
-                    <a:lumOff val="35000"/>
-                  </a:schemeClr>
-                </a:bgClr>
-              </a:pattFill>
-              <a:ln>
-                <a:noFill/>
-              </a:ln>
-              <a:effectLst>
-                <a:outerShdw blurRad="50800" dist="38100" dir="2700000" algn="tl" rotWithShape="0">
-                  <a:prstClr val="black">
-                    <a:alpha val="40000"/>
-                  </a:prstClr>
-                </a:outerShdw>
-              </a:effectLst>
-            </c:spPr>
-            <c:txPr>
-              <a:bodyPr rot="0" spcFirstLastPara="1" vertOverflow="ellipsis" vert="horz" wrap="square" lIns="38100" tIns="19050" rIns="38100" bIns="19050" anchor="ctr" anchorCtr="1">
-                <a:spAutoFit/>
-              </a:bodyPr>
-              <a:lstStyle/>
-              <a:p>
-                <a:pPr>
-                  <a:defRPr sz="1330" b="1" i="0" u="none" strike="noStrike" kern="1200" baseline="0">
-                    <a:solidFill>
-                      <a:schemeClr val="lt1"/>
-                    </a:solidFill>
-                    <a:latin typeface="+mn-lt"/>
-                    <a:ea typeface="+mn-ea"/>
-                    <a:cs typeface="+mn-cs"/>
-                  </a:defRPr>
-                </a:pPr>
-                <a:endParaRPr lang="zh-CN"/>
-              </a:p>
-            </c:txPr>
-            <c:dLblPos val="ctr"/>
-            <c:showLegendKey val="0"/>
-            <c:showVal val="0"/>
-            <c:showCatName val="0"/>
-            <c:showSerName val="0"/>
-            <c:showPercent val="1"/>
-            <c:showBubbleSize val="0"/>
-            <c:showLeaderLines val="1"/>
-            <c:leaderLines>
-              <c:spPr>
-                <a:ln w="9525">
-                  <a:solidFill>
-                    <a:schemeClr val="dk1">
-                      <a:lumMod val="50000"/>
-                      <a:lumOff val="50000"/>
-                    </a:schemeClr>
-                  </a:solidFill>
-                </a:ln>
-                <a:effectLst/>
-              </c:spPr>
-            </c:leaderLines>
-            <c:extLst>
-              <c:ext xmlns:c15="http://schemas.microsoft.com/office/drawing/2012/chart" uri="{CE6537A1-D6FC-4f65-9D91-7224C49458BB}"/>
-            </c:extLst>
-          </c:dLbls>
-          <c:cat>
-            <c:strRef>
-              <c:f>Sheet1!$A$2:$A$5</c:f>
-              <c:strCache>
-                <c:ptCount val="4"/>
-                <c:pt idx="0">
-                  <c:v>春</c:v>
-                </c:pt>
-                <c:pt idx="1">
-                  <c:v>夏</c:v>
-                </c:pt>
-                <c:pt idx="2">
-                  <c:v>秋</c:v>
-                </c:pt>
-                <c:pt idx="3">
-                  <c:v>冬</c:v>
-                </c:pt>
-              </c:strCache>
-            </c:strRef>
-          </c:cat>
-          <c:val>
-            <c:numRef>
-              <c:f>Sheet1!$B$2:$B$5</c:f>
-              <c:numCache>
-                <c:formatCode>General</c:formatCode>
-                <c:ptCount val="4"/>
-                <c:pt idx="0">
-                  <c:v>2.5</c:v>
-                </c:pt>
-                <c:pt idx="1">
-                  <c:v>2.5</c:v>
-                </c:pt>
-                <c:pt idx="2">
-                  <c:v>2.5</c:v>
-                </c:pt>
-                <c:pt idx="3">
-                  <c:v>2.5</c:v>
-                </c:pt>
-              </c:numCache>
-            </c:numRef>
-          </c:val>
-          <c:extLst>
-            <c:ext xmlns:c16="http://schemas.microsoft.com/office/drawing/2014/chart" uri="{C3380CC4-5D6E-409C-BE32-E72D297353CC}">
-              <c16:uniqueId val="{00000000-C711-48DF-9E0B-D70C7E609264}"/>
-            </c:ext>
-          </c:extLst>
-        </c:ser>
-        <c:dLbls>
-          <c:dLblPos val="ctr"/>
-          <c:showLegendKey val="0"/>
-          <c:showVal val="0"/>
-          <c:showCatName val="0"/>
-          <c:showSerName val="0"/>
-          <c:showPercent val="1"/>
-          <c:showBubbleSize val="0"/>
-          <c:showLeaderLines val="1"/>
-        </c:dLbls>
-        <c:firstSliceAng val="0"/>
-      </c:pieChart>
-      <c:spPr>
-        <a:noFill/>
-        <a:ln>
-          <a:noFill/>
-        </a:ln>
-        <a:effectLst/>
-      </c:spPr>
-    </c:plotArea>
-    <c:legend>
-      <c:legendPos val="r"/>
-      <c:overlay val="0"/>
-      <c:spPr>
-        <a:solidFill>
-          <a:schemeClr val="lt1">
-            <a:lumMod val="95000"/>
-            <a:alpha val="39000"/>
-          </a:schemeClr>
-        </a:solidFill>
-        <a:ln>
-          <a:noFill/>
-        </a:ln>
-        <a:effectLst/>
-      </c:spPr>
-      <c:txPr>
-        <a:bodyPr rot="0" spcFirstLastPara="1" vertOverflow="ellipsis" vert="horz" wrap="square" anchor="ctr" anchorCtr="1"/>
-        <a:lstStyle/>
-        <a:p>
-          <a:pPr>
-            <a:defRPr sz="1197" b="0" i="0" u="none" strike="noStrike" kern="1200" baseline="0">
-              <a:solidFill>
-                <a:schemeClr val="dk1">
-                  <a:lumMod val="75000"/>
-                  <a:lumOff val="25000"/>
-                </a:schemeClr>
-              </a:solidFill>
-              <a:latin typeface="+mn-lt"/>
-              <a:ea typeface="+mn-ea"/>
-              <a:cs typeface="+mn-cs"/>
-            </a:defRPr>
-          </a:pPr>
-          <a:endParaRPr lang="zh-CN"/>
-        </a:p>
-      </c:txPr>
-    </c:legend>
-    <c:plotVisOnly val="1"/>
-    <c:dispBlanksAs val="gap"/>
-    <c:extLst>
-      <c:ext xmlns:c16r3="http://schemas.microsoft.com/office/drawing/2017/03/chart" uri="{56B9EC1D-385E-4148-901F-78D8002777C0}">
-        <c16r3:dataDisplayOptions16>
-          <c16r3:dispNaAsBlank val="1"/>
-        </c16r3:dataDisplayOptions16>
-      </c:ext>
-    </c:extLst>
-    <c:showDLblsOverMax val="0"/>
-  </c:chart>
-  <c:spPr>
-    <a:gradFill flip="none" rotWithShape="1">
-      <a:gsLst>
-        <a:gs pos="0">
-          <a:schemeClr val="lt1"/>
-        </a:gs>
-        <a:gs pos="39000">
-          <a:schemeClr val="lt1"/>
-        </a:gs>
-        <a:gs pos="100000">
-          <a:schemeClr val="lt1">
-            <a:lumMod val="75000"/>
-          </a:schemeClr>
-        </a:gs>
-      </a:gsLst>
-      <a:path path="circle">
-        <a:fillToRect l="50000" t="-80000" r="50000" b="180000"/>
-      </a:path>
-      <a:tileRect/>
-    </a:gradFill>
-    <a:ln w="9525" cap="flat" cmpd="sng" algn="ctr">
-      <a:solidFill>
-        <a:schemeClr val="dk1">
-          <a:lumMod val="25000"/>
-          <a:lumOff val="75000"/>
-        </a:schemeClr>
-      </a:solidFill>
-      <a:round/>
-    </a:ln>
-    <a:effectLst/>
-  </c:spPr>
-  <c:txPr>
-    <a:bodyPr/>
-    <a:lstStyle/>
-    <a:p>
-      <a:pPr>
-        <a:defRPr/>
-      </a:pPr>
-      <a:endParaRPr lang="zh-CN"/>
-    </a:p>
-  </c:txPr>
-  <c:externalData r:id="rId3">
-    <c:autoUpdate val="0"/>
-  </c:externalData>
-</c:chartSpace>
-</file>
-
-<file path=ppt/charts/colors1.xml><?xml version="1.0" encoding="utf-8"?>
-<cs:colorStyle xmlns:cs="http://schemas.microsoft.com/office/drawing/2012/chartStyle" xmlns:a="http://schemas.openxmlformats.org/drawingml/2006/main" meth="cycle" id="10">
-  <a:schemeClr val="accent1"/>
-  <a:schemeClr val="accent2"/>
-  <a:schemeClr val="accent3"/>
-  <a:schemeClr val="accent4"/>
-  <a:schemeClr val="accent5"/>
-  <a:schemeClr val="accent6"/>
-  <cs:variation/>
-  <cs:variation>
-    <a:lumMod val="60000"/>
-  </cs:variation>
-  <cs:variation>
-    <a:lumMod val="80000"/>
-    <a:lumOff val="20000"/>
-  </cs:variation>
-  <cs:variation>
-    <a:lumMod val="80000"/>
-  </cs:variation>
-  <cs:variation>
-    <a:lumMod val="60000"/>
-    <a:lumOff val="40000"/>
-  </cs:variation>
-  <cs:variation>
-    <a:lumMod val="50000"/>
-  </cs:variation>
-  <cs:variation>
-    <a:lumMod val="70000"/>
-    <a:lumOff val="30000"/>
-  </cs:variation>
-  <cs:variation>
-    <a:lumMod val="70000"/>
-  </cs:variation>
-  <cs:variation>
-    <a:lumMod val="50000"/>
-    <a:lumOff val="50000"/>
-  </cs:variation>
-</cs:colorStyle>
-</file>
-
-<file path=ppt/charts/style1.xml><?xml version="1.0" encoding="utf-8"?>
-<cs:chartStyle xmlns:cs="http://schemas.microsoft.com/office/drawing/2012/chartStyle" xmlns:a="http://schemas.openxmlformats.org/drawingml/2006/main" id="253">
-  <cs:axisTitle>
-    <cs:lnRef idx="0"/>
-    <cs:fillRef idx="0"/>
-    <cs:effectRef idx="0"/>
-    <cs:fontRef idx="minor">
-      <a:schemeClr val="dk1">
-        <a:lumMod val="75000"/>
-        <a:lumOff val="25000"/>
-      </a:schemeClr>
-    </cs:fontRef>
-    <cs:defRPr sz="1197" b="1" kern="1200"/>
-  </cs:axisTitle>
-  <cs:categoryAxis>
-    <cs:lnRef idx="0"/>
-    <cs:fillRef idx="0"/>
-    <cs:effectRef idx="0"/>
-    <cs:fontRef idx="minor">
-      <a:schemeClr val="dk1">
-        <a:lumMod val="75000"/>
-        <a:lumOff val="25000"/>
-      </a:schemeClr>
-    </cs:fontRef>
-    <cs:spPr>
-      <a:ln w="19050" cap="flat" cmpd="sng" algn="ctr">
-        <a:solidFill>
-          <a:schemeClr val="dk1">
-            <a:lumMod val="75000"/>
-            <a:lumOff val="25000"/>
-          </a:schemeClr>
-        </a:solidFill>
-        <a:round/>
-      </a:ln>
-    </cs:spPr>
-    <cs:defRPr sz="1197" kern="1200" cap="all" baseline="0"/>
-  </cs:categoryAxis>
-  <cs:chartArea>
-    <cs:lnRef idx="0"/>
-    <cs:fillRef idx="0"/>
-    <cs:effectRef idx="0"/>
-    <cs:fontRef idx="minor">
-      <a:schemeClr val="dk1"/>
-    </cs:fontRef>
-    <cs:spPr>
-      <a:gradFill flip="none" rotWithShape="1">
-        <a:gsLst>
-          <a:gs pos="0">
-            <a:schemeClr val="lt1"/>
-          </a:gs>
-          <a:gs pos="39000">
-            <a:schemeClr val="lt1"/>
-          </a:gs>
-          <a:gs pos="100000">
-            <a:schemeClr val="lt1">
-              <a:lumMod val="75000"/>
-            </a:schemeClr>
-          </a:gs>
-        </a:gsLst>
-        <a:path path="circle">
-          <a:fillToRect l="50000" t="-80000" r="50000" b="180000"/>
-        </a:path>
-        <a:tileRect/>
-      </a:gradFill>
-      <a:ln w="9525" cap="flat" cmpd="sng" algn="ctr">
-        <a:solidFill>
-          <a:schemeClr val="dk1">
-            <a:lumMod val="25000"/>
-            <a:lumOff val="75000"/>
-          </a:schemeClr>
-        </a:solidFill>
-        <a:round/>
-      </a:ln>
-    </cs:spPr>
-    <cs:defRPr sz="1197" kern="1200"/>
-  </cs:chartArea>
-  <cs:dataLabel>
-    <cs:lnRef idx="0"/>
-    <cs:fillRef idx="0"/>
-    <cs:effectRef idx="0"/>
-    <cs:fontRef idx="minor">
-      <a:schemeClr val="lt1"/>
-    </cs:fontRef>
-    <cs:spPr>
-      <a:pattFill prst="pct75">
-        <a:fgClr>
-          <a:schemeClr val="dk1">
-            <a:lumMod val="75000"/>
-            <a:lumOff val="25000"/>
-          </a:schemeClr>
-        </a:fgClr>
-        <a:bgClr>
-          <a:schemeClr val="dk1">
-            <a:lumMod val="65000"/>
-            <a:lumOff val="35000"/>
-          </a:schemeClr>
-        </a:bgClr>
-      </a:pattFill>
-      <a:effectLst>
-        <a:outerShdw blurRad="50800" dist="38100" dir="2700000" algn="tl" rotWithShape="0">
-          <a:prstClr val="black">
-            <a:alpha val="40000"/>
-          </a:prstClr>
-        </a:outerShdw>
-      </a:effectLst>
-    </cs:spPr>
-    <cs:defRPr sz="1330" b="1" i="0" u="none" strike="noStrike" kern="1200" baseline="0"/>
-  </cs:dataLabel>
-  <cs:dataLabelCallout>
-    <cs:lnRef idx="0"/>
-    <cs:fillRef idx="0"/>
-    <cs:effectRef idx="0"/>
-    <cs:fontRef idx="minor">
-      <a:schemeClr val="lt1"/>
-    </cs:fontRef>
-    <cs:spPr>
-      <a:pattFill prst="pct75">
-        <a:fgClr>
-          <a:schemeClr val="dk1">
-            <a:lumMod val="75000"/>
-            <a:lumOff val="25000"/>
-          </a:schemeClr>
-        </a:fgClr>
-        <a:bgClr>
-          <a:schemeClr val="dk1">
-            <a:lumMod val="65000"/>
-            <a:lumOff val="35000"/>
-          </a:schemeClr>
-        </a:bgClr>
-      </a:pattFill>
-      <a:effectLst>
-        <a:outerShdw blurRad="50800" dist="38100" dir="2700000" algn="tl" rotWithShape="0">
-          <a:prstClr val="black">
-            <a:alpha val="40000"/>
-          </a:prstClr>
-        </a:outerShdw>
-      </a:effectLst>
-    </cs:spPr>
-    <cs:defRPr sz="1330" b="1" i="0" u="none" strike="noStrike" kern="1200" baseline="0"/>
-    <cs:bodyPr rot="0" spcFirstLastPara="1" vertOverflow="clip" horzOverflow="clip" vert="horz" wrap="square" lIns="36576" tIns="18288" rIns="36576" bIns="18288" anchor="ctr" anchorCtr="1">
-      <a:spAutoFit/>
-    </cs:bodyPr>
-  </cs:dataLabelCallout>
-  <cs:dataPoint>
-    <cs:lnRef idx="0"/>
-    <cs:fillRef idx="0">
-      <cs:styleClr val="auto"/>
-    </cs:fillRef>
-    <cs:effectRef idx="0"/>
-    <cs:fontRef idx="minor">
-      <a:schemeClr val="dk1"/>
-    </cs:fontRef>
-    <cs:spPr>
-      <a:solidFill>
-        <a:schemeClr val="phClr"/>
-      </a:solidFill>
-      <a:effectLst>
-        <a:outerShdw blurRad="254000" sx="102000" sy="102000" algn="ctr" rotWithShape="0">
-          <a:prstClr val="black">
-            <a:alpha val="20000"/>
-          </a:prstClr>
-        </a:outerShdw>
-      </a:effectLst>
-    </cs:spPr>
-  </cs:dataPoint>
-  <cs:dataPoint3D>
-    <cs:lnRef idx="0"/>
-    <cs:fillRef idx="0">
-      <cs:styleClr val="auto"/>
-    </cs:fillRef>
-    <cs:effectRef idx="0"/>
-    <cs:fontRef idx="minor">
-      <a:schemeClr val="dk1"/>
-    </cs:fontRef>
-    <cs:spPr>
-      <a:solidFill>
-        <a:schemeClr val="phClr"/>
-      </a:solidFill>
-      <a:effectLst>
-        <a:outerShdw blurRad="254000" sx="102000" sy="102000" algn="ctr" rotWithShape="0">
-          <a:prstClr val="black">
-            <a:alpha val="20000"/>
-          </a:prstClr>
-        </a:outerShdw>
-      </a:effectLst>
-    </cs:spPr>
-  </cs:dataPoint3D>
-  <cs:dataPointLine>
-    <cs:lnRef idx="0">
-      <cs:styleClr val="auto"/>
-    </cs:lnRef>
-    <cs:fillRef idx="0"/>
-    <cs:effectRef idx="0"/>
-    <cs:fontRef idx="minor">
-      <a:schemeClr val="dk1"/>
-    </cs:fontRef>
-    <cs:spPr>
-      <a:ln w="31750" cap="rnd">
-        <a:solidFill>
-          <a:schemeClr val="phClr">
-            <a:alpha val="85000"/>
-          </a:schemeClr>
-        </a:solidFill>
-        <a:round/>
-      </a:ln>
-    </cs:spPr>
-  </cs:dataPointLine>
-  <cs:dataPointMarker>
-    <cs:lnRef idx="0"/>
-    <cs:fillRef idx="0">
-      <cs:styleClr val="auto"/>
-    </cs:fillRef>
-    <cs:effectRef idx="0"/>
-    <cs:fontRef idx="minor">
-      <a:schemeClr val="dk1"/>
-    </cs:fontRef>
-    <cs:spPr>
-      <a:solidFill>
-        <a:schemeClr val="phClr">
-          <a:alpha val="85000"/>
-        </a:schemeClr>
-      </a:solidFill>
-    </cs:spPr>
-  </cs:dataPointMarker>
-  <cs:dataPointMarkerLayout symbol="circle" size="6"/>
-  <cs:dataPointWireframe>
-    <cs:lnRef idx="0">
-      <cs:styleClr val="auto"/>
-    </cs:lnRef>
-    <cs:fillRef idx="0"/>
-    <cs:effectRef idx="0"/>
-    <cs:fontRef idx="minor">
-      <a:schemeClr val="dk1"/>
-    </cs:fontRef>
-    <cs:spPr>
-      <a:ln w="9525" cap="rnd">
-        <a:solidFill>
-          <a:schemeClr val="phClr"/>
-        </a:solidFill>
-        <a:round/>
-      </a:ln>
-    </cs:spPr>
-  </cs:dataPointWireframe>
-  <cs:dataTable>
-    <cs:lnRef idx="0"/>
-    <cs:fillRef idx="0"/>
-    <cs:effectRef idx="0"/>
-    <cs:fontRef idx="minor">
-      <a:schemeClr val="dk1">
-        <a:lumMod val="75000"/>
-        <a:lumOff val="25000"/>
-      </a:schemeClr>
-    </cs:fontRef>
-    <cs:spPr>
-      <a:ln w="9525">
-        <a:solidFill>
-          <a:schemeClr val="dk1">
-            <a:lumMod val="35000"/>
-            <a:lumOff val="65000"/>
-          </a:schemeClr>
-        </a:solidFill>
-      </a:ln>
-    </cs:spPr>
-    <cs:defRPr sz="1197" kern="1200"/>
-  </cs:dataTable>
-  <cs:downBar>
-    <cs:lnRef idx="0"/>
-    <cs:fillRef idx="0"/>
-    <cs:effectRef idx="0"/>
-    <cs:fontRef idx="minor">
-      <a:schemeClr val="dk1"/>
-    </cs:fontRef>
-    <cs:spPr>
-      <a:solidFill>
-        <a:schemeClr val="dk1">
-          <a:lumMod val="50000"/>
-          <a:lumOff val="50000"/>
-        </a:schemeClr>
-      </a:solidFill>
-      <a:ln w="9525">
-        <a:solidFill>
-          <a:schemeClr val="dk1">
-            <a:lumMod val="65000"/>
-            <a:lumOff val="35000"/>
-          </a:schemeClr>
-        </a:solidFill>
-      </a:ln>
-    </cs:spPr>
-  </cs:downBar>
-  <cs:dropLine>
-    <cs:lnRef idx="0"/>
-    <cs:fillRef idx="0"/>
-    <cs:effectRef idx="0"/>
-    <cs:fontRef idx="minor">
-      <a:schemeClr val="dk1"/>
-    </cs:fontRef>
-    <cs:spPr>
-      <a:ln w="9525">
-        <a:solidFill>
-          <a:schemeClr val="dk1">
-            <a:lumMod val="35000"/>
-            <a:lumOff val="65000"/>
-          </a:schemeClr>
-        </a:solidFill>
-        <a:prstDash val="dash"/>
-      </a:ln>
-    </cs:spPr>
-  </cs:dropLine>
-  <cs:errorBar>
-    <cs:lnRef idx="0"/>
-    <cs:fillRef idx="0"/>
-    <cs:effectRef idx="0"/>
-    <cs:fontRef idx="minor">
-      <a:schemeClr val="dk1"/>
-    </cs:fontRef>
-    <cs:spPr>
-      <a:ln w="9525">
-        <a:solidFill>
-          <a:schemeClr val="dk1">
-            <a:lumMod val="65000"/>
-            <a:lumOff val="35000"/>
-          </a:schemeClr>
-        </a:solidFill>
-        <a:round/>
-      </a:ln>
-    </cs:spPr>
-  </cs:errorBar>
-  <cs:floor>
-    <cs:lnRef idx="0"/>
-    <cs:fillRef idx="0"/>
-    <cs:effectRef idx="0"/>
-    <cs:fontRef idx="minor">
-      <a:schemeClr val="dk1"/>
-    </cs:fontRef>
-  </cs:floor>
-  <cs:gridlineMajor>
-    <cs:lnRef idx="0"/>
-    <cs:fillRef idx="0"/>
-    <cs:effectRef idx="0"/>
-    <cs:fontRef idx="minor">
-      <a:schemeClr val="dk1"/>
-    </cs:fontRef>
-    <cs:spPr>
-      <a:ln w="9525" cap="flat" cmpd="sng" algn="ctr">
-        <a:gradFill>
-          <a:gsLst>
-            <a:gs pos="100000">
-              <a:schemeClr val="dk1">
-                <a:lumMod val="95000"/>
-                <a:lumOff val="5000"/>
-                <a:alpha val="42000"/>
-              </a:schemeClr>
-            </a:gs>
-            <a:gs pos="0">
-              <a:schemeClr val="lt1">
-                <a:lumMod val="75000"/>
-                <a:alpha val="36000"/>
-              </a:schemeClr>
-            </a:gs>
-          </a:gsLst>
-          <a:lin ang="5400000" scaled="0"/>
-        </a:gradFill>
-        <a:round/>
-      </a:ln>
-    </cs:spPr>
-  </cs:gridlineMajor>
-  <cs:gridlineMinor>
-    <cs:lnRef idx="0"/>
-    <cs:fillRef idx="0"/>
-    <cs:effectRef idx="0"/>
-    <cs:fontRef idx="minor">
-      <a:schemeClr val="dk1"/>
-    </cs:fontRef>
-    <cs:spPr>
-      <a:ln>
-        <a:gradFill>
-          <a:gsLst>
-            <a:gs pos="100000">
-              <a:schemeClr val="dk1">
-                <a:lumMod val="95000"/>
-                <a:lumOff val="5000"/>
-                <a:alpha val="42000"/>
-              </a:schemeClr>
-            </a:gs>
-            <a:gs pos="0">
-              <a:schemeClr val="lt1">
-                <a:lumMod val="75000"/>
-                <a:alpha val="36000"/>
-              </a:schemeClr>
-            </a:gs>
-          </a:gsLst>
-          <a:lin ang="5400000" scaled="0"/>
-        </a:gradFill>
-      </a:ln>
-    </cs:spPr>
-  </cs:gridlineMinor>
-  <cs:hiLoLine>
-    <cs:lnRef idx="0"/>
-    <cs:fillRef idx="0"/>
-    <cs:effectRef idx="0"/>
-    <cs:fontRef idx="minor">
-      <a:schemeClr val="dk1"/>
-    </cs:fontRef>
-    <cs:spPr>
-      <a:ln w="9525">
-        <a:solidFill>
-          <a:schemeClr val="dk1">
-            <a:lumMod val="35000"/>
-            <a:lumOff val="65000"/>
-          </a:schemeClr>
-        </a:solidFill>
-        <a:prstDash val="dash"/>
-      </a:ln>
-    </cs:spPr>
-  </cs:hiLoLine>
-  <cs:leaderLine>
-    <cs:lnRef idx="0"/>
-    <cs:fillRef idx="0"/>
-    <cs:effectRef idx="0"/>
-    <cs:fontRef idx="minor">
-      <a:schemeClr val="dk1"/>
-    </cs:fontRef>
-    <cs:spPr>
-      <a:ln w="9525">
-        <a:solidFill>
-          <a:schemeClr val="dk1">
-            <a:lumMod val="50000"/>
-            <a:lumOff val="50000"/>
-          </a:schemeClr>
-        </a:solidFill>
-      </a:ln>
-    </cs:spPr>
-  </cs:leaderLine>
-  <cs:legend>
-    <cs:lnRef idx="0"/>
-    <cs:fillRef idx="0"/>
-    <cs:effectRef idx="0"/>
-    <cs:fontRef idx="minor">
-      <a:schemeClr val="dk1">
-        <a:lumMod val="75000"/>
-        <a:lumOff val="25000"/>
-      </a:schemeClr>
-    </cs:fontRef>
-    <cs:spPr>
-      <a:solidFill>
-        <a:schemeClr val="lt1">
-          <a:lumMod val="95000"/>
-          <a:alpha val="39000"/>
-        </a:schemeClr>
-      </a:solidFill>
-    </cs:spPr>
-    <cs:defRPr sz="1197" kern="1200"/>
-  </cs:legend>
-  <cs:plotArea>
-    <cs:lnRef idx="0"/>
-    <cs:fillRef idx="0"/>
-    <cs:effectRef idx="0"/>
-    <cs:fontRef idx="minor">
-      <a:schemeClr val="dk1"/>
-    </cs:fontRef>
-  </cs:plotArea>
-  <cs:plotArea3D>
-    <cs:lnRef idx="0"/>
-    <cs:fillRef idx="0"/>
-    <cs:effectRef idx="0"/>
-    <cs:fontRef idx="minor">
-      <a:schemeClr val="dk1"/>
-    </cs:fontRef>
-  </cs:plotArea3D>
-  <cs:seriesAxis>
-    <cs:lnRef idx="0"/>
-    <cs:fillRef idx="0"/>
-    <cs:effectRef idx="0"/>
-    <cs:fontRef idx="minor">
-      <a:schemeClr val="dk1">
-        <a:lumMod val="75000"/>
-        <a:lumOff val="25000"/>
-      </a:schemeClr>
-    </cs:fontRef>
-    <cs:spPr>
-      <a:ln w="31750" cap="flat" cmpd="sng" algn="ctr">
-        <a:solidFill>
-          <a:schemeClr val="dk1">
-            <a:lumMod val="75000"/>
-            <a:lumOff val="25000"/>
-          </a:schemeClr>
-        </a:solidFill>
-        <a:round/>
-      </a:ln>
-    </cs:spPr>
-    <cs:defRPr sz="1197" kern="1200"/>
-  </cs:seriesAxis>
-  <cs:seriesLine>
-    <cs:lnRef idx="0"/>
-    <cs:fillRef idx="0"/>
-    <cs:effectRef idx="0"/>
-    <cs:fontRef idx="minor">
-      <a:schemeClr val="dk1"/>
-    </cs:fontRef>
-    <cs:spPr>
-      <a:ln w="9525">
-        <a:solidFill>
-          <a:schemeClr val="dk1">
-            <a:lumMod val="50000"/>
-            <a:lumOff val="50000"/>
-          </a:schemeClr>
-        </a:solidFill>
-        <a:round/>
-      </a:ln>
-    </cs:spPr>
-  </cs:seriesLine>
-  <cs:title>
-    <cs:lnRef idx="0"/>
-    <cs:fillRef idx="0"/>
-    <cs:effectRef idx="0"/>
-    <cs:fontRef idx="minor">
-      <a:schemeClr val="dk1">
-        <a:lumMod val="75000"/>
-        <a:lumOff val="25000"/>
-      </a:schemeClr>
-    </cs:fontRef>
-    <cs:defRPr sz="2200" b="1" kern="1200" baseline="0"/>
-  </cs:title>
-  <cs:trendline>
-    <cs:lnRef idx="0">
-      <cs:styleClr val="auto"/>
-    </cs:lnRef>
-    <cs:fillRef idx="0"/>
-    <cs:effectRef idx="0"/>
-    <cs:fontRef idx="minor">
-      <a:schemeClr val="dk1"/>
-    </cs:fontRef>
-    <cs:spPr>
-      <a:ln w="19050" cap="rnd">
-        <a:solidFill>
-          <a:schemeClr val="phClr"/>
-        </a:solidFill>
-      </a:ln>
-    </cs:spPr>
-  </cs:trendline>
-  <cs:trendlineLabel>
-    <cs:lnRef idx="0"/>
-    <cs:fillRef idx="0"/>
-    <cs:effectRef idx="0"/>
-    <cs:fontRef idx="minor">
-      <a:schemeClr val="dk1">
-        <a:lumMod val="75000"/>
-        <a:lumOff val="25000"/>
-      </a:schemeClr>
-    </cs:fontRef>
-    <cs:defRPr sz="1197" kern="1200"/>
-  </cs:trendlineLabel>
-  <cs:upBar>
-    <cs:lnRef idx="0"/>
-    <cs:fillRef idx="0"/>
-    <cs:effectRef idx="0"/>
-    <cs:fontRef idx="minor">
-      <a:schemeClr val="dk1"/>
-    </cs:fontRef>
-    <cs:spPr>
-      <a:solidFill>
-        <a:schemeClr val="lt1"/>
-      </a:solidFill>
-      <a:ln w="9525">
-        <a:solidFill>
-          <a:schemeClr val="dk1">
-            <a:lumMod val="65000"/>
-            <a:lumOff val="35000"/>
-          </a:schemeClr>
-        </a:solidFill>
-      </a:ln>
-    </cs:spPr>
-  </cs:upBar>
-  <cs:valueAxis>
-    <cs:lnRef idx="0"/>
-    <cs:fillRef idx="0"/>
-    <cs:effectRef idx="0"/>
-    <cs:fontRef idx="minor">
-      <a:schemeClr val="dk1">
-        <a:lumMod val="75000"/>
-        <a:lumOff val="25000"/>
-      </a:schemeClr>
-    </cs:fontRef>
-    <cs:spPr>
-      <a:ln>
-        <a:noFill/>
-      </a:ln>
-    </cs:spPr>
-    <cs:defRPr sz="1197" kern="1200"/>
-  </cs:valueAxis>
-  <cs:wall>
-    <cs:lnRef idx="0"/>
-    <cs:fillRef idx="0"/>
-    <cs:effectRef idx="0"/>
-    <cs:fontRef idx="minor">
-      <a:schemeClr val="dk1"/>
-    </cs:fontRef>
-  </cs:wall>
-</cs:chartStyle>
 </file>
 
 <file path=ppt/slideLayouts/slideLayout1.xml><?xml version="1.0" encoding="utf-8"?>
@@ -1981,7 +839,7 @@
           <a:p>
             <a:fld id="{891E43EE-245B-4773-817B-F54DF4200A6A}" type="datetimeFigureOut">
               <a:rPr lang="zh-CN" altLang="en-US" smtClean="0"/>
-              <a:t>2018/8/13</a:t>
+              <a:t>2018/8/19</a:t>
             </a:fld>
             <a:endParaRPr lang="zh-CN" altLang="en-US"/>
           </a:p>
@@ -2232,7 +1090,7 @@
           <a:p>
             <a:fld id="{891E43EE-245B-4773-817B-F54DF4200A6A}" type="datetimeFigureOut">
               <a:rPr lang="zh-CN" altLang="en-US" smtClean="0"/>
-              <a:t>2018/8/13</a:t>
+              <a:t>2018/8/19</a:t>
             </a:fld>
             <a:endParaRPr lang="zh-CN" altLang="en-US"/>
           </a:p>
@@ -2546,7 +1404,7 @@
           <a:p>
             <a:fld id="{891E43EE-245B-4773-817B-F54DF4200A6A}" type="datetimeFigureOut">
               <a:rPr lang="zh-CN" altLang="en-US" smtClean="0"/>
-              <a:t>2018/8/13</a:t>
+              <a:t>2018/8/19</a:t>
             </a:fld>
             <a:endParaRPr lang="zh-CN" altLang="en-US"/>
           </a:p>
@@ -2887,7 +1745,7 @@
           <a:p>
             <a:fld id="{891E43EE-245B-4773-817B-F54DF4200A6A}" type="datetimeFigureOut">
               <a:rPr lang="zh-CN" altLang="en-US" smtClean="0"/>
-              <a:t>2018/8/13</a:t>
+              <a:t>2018/8/19</a:t>
             </a:fld>
             <a:endParaRPr lang="zh-CN" altLang="en-US"/>
           </a:p>
@@ -3201,7 +2059,7 @@
           <a:p>
             <a:fld id="{891E43EE-245B-4773-817B-F54DF4200A6A}" type="datetimeFigureOut">
               <a:rPr lang="zh-CN" altLang="en-US" smtClean="0"/>
-              <a:t>2018/8/13</a:t>
+              <a:t>2018/8/19</a:t>
             </a:fld>
             <a:endParaRPr lang="zh-CN" altLang="en-US"/>
           </a:p>
@@ -3594,7 +2452,7 @@
           <a:p>
             <a:fld id="{891E43EE-245B-4773-817B-F54DF4200A6A}" type="datetimeFigureOut">
               <a:rPr lang="zh-CN" altLang="en-US" smtClean="0"/>
-              <a:t>2018/8/13</a:t>
+              <a:t>2018/8/19</a:t>
             </a:fld>
             <a:endParaRPr lang="zh-CN" altLang="en-US"/>
           </a:p>
@@ -3764,7 +2622,7 @@
           <a:p>
             <a:fld id="{891E43EE-245B-4773-817B-F54DF4200A6A}" type="datetimeFigureOut">
               <a:rPr lang="zh-CN" altLang="en-US" smtClean="0"/>
-              <a:t>2018/8/13</a:t>
+              <a:t>2018/8/19</a:t>
             </a:fld>
             <a:endParaRPr lang="zh-CN" altLang="en-US"/>
           </a:p>
@@ -3944,7 +2802,7 @@
           <a:p>
             <a:fld id="{891E43EE-245B-4773-817B-F54DF4200A6A}" type="datetimeFigureOut">
               <a:rPr lang="zh-CN" altLang="en-US" smtClean="0"/>
-              <a:t>2018/8/13</a:t>
+              <a:t>2018/8/19</a:t>
             </a:fld>
             <a:endParaRPr lang="zh-CN" altLang="en-US"/>
           </a:p>
@@ -4120,7 +2978,7 @@
           <a:p>
             <a:fld id="{891E43EE-245B-4773-817B-F54DF4200A6A}" type="datetimeFigureOut">
               <a:rPr lang="zh-CN" altLang="en-US" smtClean="0"/>
-              <a:t>2018/8/13</a:t>
+              <a:t>2018/8/19</a:t>
             </a:fld>
             <a:endParaRPr lang="zh-CN" altLang="en-US"/>
           </a:p>
@@ -4367,7 +3225,7 @@
           <a:p>
             <a:fld id="{891E43EE-245B-4773-817B-F54DF4200A6A}" type="datetimeFigureOut">
               <a:rPr lang="zh-CN" altLang="en-US" smtClean="0"/>
-              <a:t>2018/8/13</a:t>
+              <a:t>2018/8/19</a:t>
             </a:fld>
             <a:endParaRPr lang="zh-CN" altLang="en-US"/>
           </a:p>
@@ -4599,7 +3457,7 @@
           <a:p>
             <a:fld id="{891E43EE-245B-4773-817B-F54DF4200A6A}" type="datetimeFigureOut">
               <a:rPr lang="zh-CN" altLang="en-US" smtClean="0"/>
-              <a:t>2018/8/13</a:t>
+              <a:t>2018/8/19</a:t>
             </a:fld>
             <a:endParaRPr lang="zh-CN" altLang="en-US"/>
           </a:p>
@@ -4973,7 +3831,7 @@
           <a:p>
             <a:fld id="{891E43EE-245B-4773-817B-F54DF4200A6A}" type="datetimeFigureOut">
               <a:rPr lang="zh-CN" altLang="en-US" smtClean="0"/>
-              <a:t>2018/8/13</a:t>
+              <a:t>2018/8/19</a:t>
             </a:fld>
             <a:endParaRPr lang="zh-CN" altLang="en-US"/>
           </a:p>
@@ -5096,7 +3954,7 @@
           <a:p>
             <a:fld id="{891E43EE-245B-4773-817B-F54DF4200A6A}" type="datetimeFigureOut">
               <a:rPr lang="zh-CN" altLang="en-US" smtClean="0"/>
-              <a:t>2018/8/13</a:t>
+              <a:t>2018/8/19</a:t>
             </a:fld>
             <a:endParaRPr lang="zh-CN" altLang="en-US"/>
           </a:p>
@@ -5191,7 +4049,7 @@
           <a:p>
             <a:fld id="{891E43EE-245B-4773-817B-F54DF4200A6A}" type="datetimeFigureOut">
               <a:rPr lang="zh-CN" altLang="en-US" smtClean="0"/>
-              <a:t>2018/8/13</a:t>
+              <a:t>2018/8/19</a:t>
             </a:fld>
             <a:endParaRPr lang="zh-CN" altLang="en-US"/>
           </a:p>
@@ -5446,7 +4304,7 @@
           <a:p>
             <a:fld id="{891E43EE-245B-4773-817B-F54DF4200A6A}" type="datetimeFigureOut">
               <a:rPr lang="zh-CN" altLang="en-US" smtClean="0"/>
-              <a:t>2018/8/13</a:t>
+              <a:t>2018/8/19</a:t>
             </a:fld>
             <a:endParaRPr lang="zh-CN" altLang="en-US"/>
           </a:p>
@@ -5709,7 +4567,7 @@
           <a:p>
             <a:fld id="{891E43EE-245B-4773-817B-F54DF4200A6A}" type="datetimeFigureOut">
               <a:rPr lang="zh-CN" altLang="en-US" smtClean="0"/>
-              <a:t>2018/8/13</a:t>
+              <a:t>2018/8/19</a:t>
             </a:fld>
             <a:endParaRPr lang="zh-CN" altLang="en-US"/>
           </a:p>
@@ -6452,7 +5310,7 @@
           <a:p>
             <a:fld id="{891E43EE-245B-4773-817B-F54DF4200A6A}" type="datetimeFigureOut">
               <a:rPr lang="zh-CN" altLang="en-US" smtClean="0"/>
-              <a:t>2018/8/13</a:t>
+              <a:t>2018/8/19</a:t>
             </a:fld>
             <a:endParaRPr lang="zh-CN" altLang="en-US"/>
           </a:p>
@@ -7032,6 +5890,36 @@
           </a:p>
         </p:txBody>
       </p:sp>
+      <p:pic>
+        <p:nvPicPr>
+          <p:cNvPr id="4" name="图片 3">
+            <a:extLst>
+              <a:ext uri="{FF2B5EF4-FFF2-40B4-BE49-F238E27FC236}">
+                <a16:creationId xmlns:a16="http://schemas.microsoft.com/office/drawing/2014/main" id="{BB6AB2AB-0833-4339-B191-3DFD91F191B6}"/>
+              </a:ext>
+            </a:extLst>
+          </p:cNvPr>
+          <p:cNvPicPr>
+            <a:picLocks noChangeAspect="1"/>
+          </p:cNvPicPr>
+          <p:nvPr/>
+        </p:nvPicPr>
+        <p:blipFill>
+          <a:blip r:embed="rId2"/>
+          <a:stretch>
+            <a:fillRect/>
+          </a:stretch>
+        </p:blipFill>
+        <p:spPr>
+          <a:xfrm>
+            <a:off x="0" y="11404"/>
+            <a:ext cx="6886557" cy="6846596"/>
+          </a:xfrm>
+          <a:prstGeom prst="rect">
+            <a:avLst/>
+          </a:prstGeom>
+        </p:spPr>
+      </p:pic>
     </p:spTree>
     <p:extLst>
       <p:ext uri="{BB962C8B-B14F-4D97-AF65-F5344CB8AC3E}">
@@ -7094,7 +5982,7 @@
                 <a:latin typeface="微软雅黑" panose="020B0503020204020204" pitchFamily="34" charset="-122"/>
                 <a:ea typeface="微软雅黑" panose="020B0503020204020204" pitchFamily="34" charset="-122"/>
               </a:rPr>
-              <a:t>游戏背景</a:t>
+              <a:t>游戏概述</a:t>
             </a:r>
           </a:p>
         </p:txBody>
@@ -7114,7 +6002,7 @@
         <p:spPr>
           <a:xfrm>
             <a:off x="1492898" y="2164702"/>
-            <a:ext cx="7259216" cy="1200329"/>
+            <a:ext cx="7259216" cy="1477328"/>
           </a:xfrm>
           <a:prstGeom prst="rect">
             <a:avLst/>
@@ -7128,46 +6016,49 @@
           <a:lstStyle/>
           <a:p>
             <a:r>
+              <a:rPr lang="zh-CN" altLang="en-US" dirty="0">
+                <a:latin typeface="微软雅黑" panose="020B0503020204020204" pitchFamily="34" charset="-122"/>
+                <a:ea typeface="微软雅黑" panose="020B0503020204020204" pitchFamily="34" charset="-122"/>
+              </a:rPr>
+              <a:t>休闲类</a:t>
+            </a:r>
+            <a:r>
               <a:rPr lang="en-US" altLang="zh-CN" dirty="0">
                 <a:latin typeface="微软雅黑" panose="020B0503020204020204" pitchFamily="34" charset="-122"/>
                 <a:ea typeface="微软雅黑" panose="020B0503020204020204" pitchFamily="34" charset="-122"/>
               </a:rPr>
-              <a:t>3010</a:t>
+              <a:t>3D</a:t>
             </a:r>
             <a:r>
               <a:rPr lang="zh-CN" altLang="en-US" dirty="0">
                 <a:latin typeface="微软雅黑" panose="020B0503020204020204" pitchFamily="34" charset="-122"/>
                 <a:ea typeface="微软雅黑" panose="020B0503020204020204" pitchFamily="34" charset="-122"/>
               </a:rPr>
-              <a:t>年，地球毁灭，人类迁移到了一颗</a:t>
-            </a:r>
-            <a:r>
-              <a:rPr lang="el-GR" altLang="zh-CN" dirty="0">
-                <a:latin typeface="微软雅黑" panose="020B0503020204020204" pitchFamily="34" charset="-122"/>
-                <a:ea typeface="微软雅黑" panose="020B0503020204020204" pitchFamily="34" charset="-122"/>
-              </a:rPr>
-              <a:t>β</a:t>
-            </a:r>
+              <a:t>游戏：玩家扮演一只迁徙的小鸟，飞跃途中会经过很多地方（地形）以及春夏秋冬四个季节，玩家需要在飞行过程中控制方向躲避飞行中的各种危险和障碍物，如躲避冰雹，龙卷风等。</a:t>
+            </a:r>
+            <a:endParaRPr lang="en-US" altLang="zh-CN" dirty="0">
+              <a:latin typeface="微软雅黑" panose="020B0503020204020204" pitchFamily="34" charset="-122"/>
+              <a:ea typeface="微软雅黑" panose="020B0503020204020204" pitchFamily="34" charset="-122"/>
+            </a:endParaRPr>
+          </a:p>
+          <a:p>
+            <a:endParaRPr lang="en-US" altLang="zh-CN" dirty="0">
+              <a:latin typeface="微软雅黑" panose="020B0503020204020204" pitchFamily="34" charset="-122"/>
+              <a:ea typeface="微软雅黑" panose="020B0503020204020204" pitchFamily="34" charset="-122"/>
+            </a:endParaRPr>
+          </a:p>
+          <a:p>
             <a:r>
               <a:rPr lang="zh-CN" altLang="en-US" dirty="0">
                 <a:latin typeface="微软雅黑" panose="020B0503020204020204" pitchFamily="34" charset="-122"/>
                 <a:ea typeface="微软雅黑" panose="020B0503020204020204" pitchFamily="34" charset="-122"/>
               </a:rPr>
-              <a:t>星球上，这个星球为了培育各种生物，需要手动配置每天四季的出现顺序和比例，使得生物正常生长。</a:t>
+              <a:t> </a:t>
             </a:r>
             <a:endParaRPr lang="en-US" altLang="zh-CN" dirty="0">
               <a:latin typeface="微软雅黑" panose="020B0503020204020204" pitchFamily="34" charset="-122"/>
               <a:ea typeface="微软雅黑" panose="020B0503020204020204" pitchFamily="34" charset="-122"/>
             </a:endParaRPr>
-          </a:p>
-          <a:p>
-            <a:r>
-              <a:rPr lang="zh-CN" altLang="en-US" dirty="0">
-                <a:latin typeface="微软雅黑" panose="020B0503020204020204" pitchFamily="34" charset="-122"/>
-                <a:ea typeface="微软雅黑" panose="020B0503020204020204" pitchFamily="34" charset="-122"/>
-              </a:rPr>
-              <a:t>这里的春夏秋冬代表不同温度和湿度，光照环境</a:t>
-            </a:r>
           </a:p>
         </p:txBody>
       </p:sp>
@@ -7233,45 +6124,17 @@
                 <a:latin typeface="微软雅黑" panose="020B0503020204020204" pitchFamily="34" charset="-122"/>
                 <a:ea typeface="微软雅黑" panose="020B0503020204020204" pitchFamily="34" charset="-122"/>
               </a:rPr>
-              <a:t>游戏内容</a:t>
-            </a:r>
-          </a:p>
-        </p:txBody>
-      </p:sp>
-      <p:graphicFrame>
-        <p:nvGraphicFramePr>
-          <p:cNvPr id="5" name="图表 4">
+              <a:t>关卡选择</a:t>
+            </a:r>
+          </a:p>
+        </p:txBody>
+      </p:sp>
+      <p:sp>
+        <p:nvSpPr>
+          <p:cNvPr id="3" name="文本框 2">
             <a:extLst>
               <a:ext uri="{FF2B5EF4-FFF2-40B4-BE49-F238E27FC236}">
-                <a16:creationId xmlns:a16="http://schemas.microsoft.com/office/drawing/2014/main" id="{B2D79FAF-8F74-4EB3-ACD1-85610AA96F6F}"/>
-              </a:ext>
-            </a:extLst>
-          </p:cNvPr>
-          <p:cNvGraphicFramePr/>
-          <p:nvPr>
-            <p:extLst>
-              <p:ext uri="{D42A27DB-BD31-4B8C-83A1-F6EECF244321}">
-                <p14:modId xmlns:p14="http://schemas.microsoft.com/office/powerpoint/2010/main" val="2747082933"/>
-              </p:ext>
-            </p:extLst>
-          </p:nvPr>
-        </p:nvGraphicFramePr>
-        <p:xfrm>
-          <a:off x="2453951" y="1614195"/>
-          <a:ext cx="5878286" cy="3041781"/>
-        </p:xfrm>
-        <a:graphic>
-          <a:graphicData uri="http://schemas.openxmlformats.org/drawingml/2006/chart">
-            <c:chart xmlns:c="http://schemas.openxmlformats.org/drawingml/2006/chart" xmlns:r="http://schemas.openxmlformats.org/officeDocument/2006/relationships" r:id="rId2"/>
-          </a:graphicData>
-        </a:graphic>
-      </p:graphicFrame>
-      <p:sp>
-        <p:nvSpPr>
-          <p:cNvPr id="6" name="文本框 5">
-            <a:extLst>
-              <a:ext uri="{FF2B5EF4-FFF2-40B4-BE49-F238E27FC236}">
-                <a16:creationId xmlns:a16="http://schemas.microsoft.com/office/drawing/2014/main" id="{E4BB5D0C-5618-403E-B9AB-1E232A33B33B}"/>
+                <a16:creationId xmlns:a16="http://schemas.microsoft.com/office/drawing/2014/main" id="{F2DBD23C-7A33-428A-8ED9-99C16A587687}"/>
               </a:ext>
             </a:extLst>
           </p:cNvPr>
@@ -7280,13 +6143,18 @@
         </p:nvSpPr>
         <p:spPr>
           <a:xfrm>
-            <a:off x="2360645" y="5038531"/>
-            <a:ext cx="4879910" cy="1200329"/>
+            <a:off x="744959" y="1856791"/>
+            <a:ext cx="2323323" cy="2827175"/>
           </a:xfrm>
           <a:prstGeom prst="rect">
             <a:avLst/>
           </a:prstGeom>
-          <a:noFill/>
+          <a:solidFill>
+            <a:schemeClr val="accent2">
+              <a:lumMod val="40000"/>
+              <a:lumOff val="60000"/>
+            </a:schemeClr>
+          </a:solidFill>
         </p:spPr>
         <p:txBody>
           <a:bodyPr wrap="square" rtlCol="0">
@@ -7294,106 +6162,16 @@
           </a:bodyPr>
           <a:lstStyle/>
           <a:p>
-            <a:r>
-              <a:rPr lang="zh-CN" altLang="en-US" dirty="0">
-                <a:latin typeface="微软雅黑" panose="020B0503020204020204" pitchFamily="34" charset="-122"/>
-                <a:ea typeface="微软雅黑" panose="020B0503020204020204" pitchFamily="34" charset="-122"/>
-              </a:rPr>
-              <a:t>从橘色色块开始，顺时针为</a:t>
-            </a:r>
-            <a:r>
-              <a:rPr lang="en-US" altLang="zh-CN" dirty="0">
-                <a:latin typeface="微软雅黑" panose="020B0503020204020204" pitchFamily="34" charset="-122"/>
-                <a:ea typeface="微软雅黑" panose="020B0503020204020204" pitchFamily="34" charset="-122"/>
-              </a:rPr>
-              <a:t>1</a:t>
-            </a:r>
-            <a:r>
-              <a:rPr lang="zh-CN" altLang="en-US" dirty="0">
-                <a:latin typeface="微软雅黑" panose="020B0503020204020204" pitchFamily="34" charset="-122"/>
-                <a:ea typeface="微软雅黑" panose="020B0503020204020204" pitchFamily="34" charset="-122"/>
-              </a:rPr>
-              <a:t>，</a:t>
-            </a:r>
-            <a:r>
-              <a:rPr lang="en-US" altLang="zh-CN" dirty="0">
-                <a:latin typeface="微软雅黑" panose="020B0503020204020204" pitchFamily="34" charset="-122"/>
-                <a:ea typeface="微软雅黑" panose="020B0503020204020204" pitchFamily="34" charset="-122"/>
-              </a:rPr>
-              <a:t>2</a:t>
-            </a:r>
-            <a:r>
-              <a:rPr lang="zh-CN" altLang="en-US" dirty="0">
-                <a:latin typeface="微软雅黑" panose="020B0503020204020204" pitchFamily="34" charset="-122"/>
-                <a:ea typeface="微软雅黑" panose="020B0503020204020204" pitchFamily="34" charset="-122"/>
-              </a:rPr>
-              <a:t>，</a:t>
-            </a:r>
-            <a:r>
-              <a:rPr lang="en-US" altLang="zh-CN" dirty="0">
-                <a:latin typeface="微软雅黑" panose="020B0503020204020204" pitchFamily="34" charset="-122"/>
-                <a:ea typeface="微软雅黑" panose="020B0503020204020204" pitchFamily="34" charset="-122"/>
-              </a:rPr>
-              <a:t>3</a:t>
-            </a:r>
-            <a:r>
-              <a:rPr lang="zh-CN" altLang="en-US" dirty="0">
-                <a:latin typeface="微软雅黑" panose="020B0503020204020204" pitchFamily="34" charset="-122"/>
-                <a:ea typeface="微软雅黑" panose="020B0503020204020204" pitchFamily="34" charset="-122"/>
-              </a:rPr>
-              <a:t>，</a:t>
-            </a:r>
-            <a:r>
-              <a:rPr lang="en-US" altLang="zh-CN" dirty="0">
-                <a:latin typeface="微软雅黑" panose="020B0503020204020204" pitchFamily="34" charset="-122"/>
-                <a:ea typeface="微软雅黑" panose="020B0503020204020204" pitchFamily="34" charset="-122"/>
-              </a:rPr>
-              <a:t>4</a:t>
-            </a:r>
-            <a:r>
-              <a:rPr lang="zh-CN" altLang="en-US" dirty="0">
-                <a:latin typeface="微软雅黑" panose="020B0503020204020204" pitchFamily="34" charset="-122"/>
-                <a:ea typeface="微软雅黑" panose="020B0503020204020204" pitchFamily="34" charset="-122"/>
-              </a:rPr>
-              <a:t>的顺序，一天</a:t>
-            </a:r>
-            <a:r>
-              <a:rPr lang="en-US" altLang="zh-CN" dirty="0">
-                <a:latin typeface="微软雅黑" panose="020B0503020204020204" pitchFamily="34" charset="-122"/>
-                <a:ea typeface="微软雅黑" panose="020B0503020204020204" pitchFamily="34" charset="-122"/>
-              </a:rPr>
-              <a:t>24</a:t>
-            </a:r>
-            <a:r>
-              <a:rPr lang="zh-CN" altLang="en-US" dirty="0">
-                <a:latin typeface="微软雅黑" panose="020B0503020204020204" pitchFamily="34" charset="-122"/>
-                <a:ea typeface="微软雅黑" panose="020B0503020204020204" pitchFamily="34" charset="-122"/>
-              </a:rPr>
-              <a:t>小时制，比如上图中，每日每隔</a:t>
-            </a:r>
-            <a:r>
-              <a:rPr lang="en-US" altLang="zh-CN" dirty="0">
-                <a:latin typeface="微软雅黑" panose="020B0503020204020204" pitchFamily="34" charset="-122"/>
-                <a:ea typeface="微软雅黑" panose="020B0503020204020204" pitchFamily="34" charset="-122"/>
-              </a:rPr>
-              <a:t>6</a:t>
-            </a:r>
-            <a:r>
-              <a:rPr lang="zh-CN" altLang="en-US" dirty="0">
-                <a:latin typeface="微软雅黑" panose="020B0503020204020204" pitchFamily="34" charset="-122"/>
-                <a:ea typeface="微软雅黑" panose="020B0503020204020204" pitchFamily="34" charset="-122"/>
-              </a:rPr>
-              <a:t>小时，转换一次季节。根据植物特征手动调整顺序和比例</a:t>
-            </a:r>
-          </a:p>
-        </p:txBody>
-      </p:sp>
-      <p:sp>
-        <p:nvSpPr>
-          <p:cNvPr id="8" name="矩形 7">
+            <a:endParaRPr lang="zh-CN" altLang="en-US" dirty="0"/>
+          </a:p>
+        </p:txBody>
+      </p:sp>
+      <p:sp>
+        <p:nvSpPr>
+          <p:cNvPr id="4" name="矩形 3">
             <a:extLst>
               <a:ext uri="{FF2B5EF4-FFF2-40B4-BE49-F238E27FC236}">
-                <a16:creationId xmlns:a16="http://schemas.microsoft.com/office/drawing/2014/main" id="{F603F1BF-C0B9-46E6-A164-B2ED634AB42B}"/>
+                <a16:creationId xmlns:a16="http://schemas.microsoft.com/office/drawing/2014/main" id="{30BB2E70-9CDF-45B0-BD5F-39B04E110AD6}"/>
               </a:ext>
             </a:extLst>
           </p:cNvPr>
@@ -7402,27 +6180,24 @@
         </p:nvSpPr>
         <p:spPr>
           <a:xfrm>
-            <a:off x="261258" y="4655976"/>
-            <a:ext cx="541176" cy="382555"/>
+            <a:off x="1536970" y="2110902"/>
+            <a:ext cx="739302" cy="330741"/>
           </a:xfrm>
           <a:prstGeom prst="rect">
             <a:avLst/>
           </a:prstGeom>
-          <a:solidFill>
-            <a:schemeClr val="accent4"/>
-          </a:solidFill>
         </p:spPr>
         <p:style>
           <a:lnRef idx="2">
-            <a:schemeClr val="accent1">
+            <a:schemeClr val="accent4">
               <a:shade val="50000"/>
             </a:schemeClr>
           </a:lnRef>
           <a:fillRef idx="1">
-            <a:schemeClr val="accent1"/>
+            <a:schemeClr val="accent4"/>
           </a:fillRef>
           <a:effectRef idx="0">
-            <a:schemeClr val="accent1"/>
+            <a:schemeClr val="accent4"/>
           </a:effectRef>
           <a:fontRef idx="minor">
             <a:schemeClr val="lt1"/>
@@ -7433,16 +6208,22 @@
           <a:lstStyle/>
           <a:p>
             <a:pPr algn="ctr"/>
-            <a:endParaRPr lang="zh-CN" altLang="en-US" dirty="0"/>
-          </a:p>
-        </p:txBody>
-      </p:sp>
-      <p:sp>
-        <p:nvSpPr>
-          <p:cNvPr id="10" name="矩形 9">
+            <a:r>
+              <a:rPr lang="zh-CN" altLang="en-US" sz="1600" dirty="0">
+                <a:latin typeface="微软雅黑" panose="020B0503020204020204" pitchFamily="34" charset="-122"/>
+                <a:ea typeface="微软雅黑" panose="020B0503020204020204" pitchFamily="34" charset="-122"/>
+              </a:rPr>
+              <a:t>山川</a:t>
+            </a:r>
+          </a:p>
+        </p:txBody>
+      </p:sp>
+      <p:sp>
+        <p:nvSpPr>
+          <p:cNvPr id="14" name="矩形 13">
             <a:extLst>
               <a:ext uri="{FF2B5EF4-FFF2-40B4-BE49-F238E27FC236}">
-                <a16:creationId xmlns:a16="http://schemas.microsoft.com/office/drawing/2014/main" id="{3AAA6367-BE51-4968-8DFC-E19240723A86}"/>
+                <a16:creationId xmlns:a16="http://schemas.microsoft.com/office/drawing/2014/main" id="{7492EFBC-1A0F-491B-865A-8DEF2C8C9069}"/>
               </a:ext>
             </a:extLst>
           </p:cNvPr>
@@ -7451,27 +6232,24 @@
         </p:nvSpPr>
         <p:spPr>
           <a:xfrm>
-            <a:off x="261258" y="5038531"/>
-            <a:ext cx="541176" cy="382555"/>
+            <a:off x="1536970" y="2669812"/>
+            <a:ext cx="739302" cy="330741"/>
           </a:xfrm>
           <a:prstGeom prst="rect">
             <a:avLst/>
           </a:prstGeom>
-          <a:solidFill>
-            <a:srgbClr val="FFC000"/>
-          </a:solidFill>
         </p:spPr>
         <p:style>
           <a:lnRef idx="2">
-            <a:schemeClr val="accent1">
+            <a:schemeClr val="accent4">
               <a:shade val="50000"/>
             </a:schemeClr>
           </a:lnRef>
           <a:fillRef idx="1">
-            <a:schemeClr val="accent1"/>
+            <a:schemeClr val="accent4"/>
           </a:fillRef>
           <a:effectRef idx="0">
-            <a:schemeClr val="accent1"/>
+            <a:schemeClr val="accent4"/>
           </a:effectRef>
           <a:fontRef idx="minor">
             <a:schemeClr val="lt1"/>
@@ -7482,16 +6260,23 @@
           <a:lstStyle/>
           <a:p>
             <a:pPr algn="ctr"/>
+            <a:r>
+              <a:rPr lang="zh-CN" altLang="en-US" sz="1600" dirty="0">
+                <a:latin typeface="微软雅黑" panose="020B0503020204020204" pitchFamily="34" charset="-122"/>
+                <a:ea typeface="微软雅黑" panose="020B0503020204020204" pitchFamily="34" charset="-122"/>
+              </a:rPr>
+              <a:t>大海</a:t>
+            </a:r>
             <a:endParaRPr lang="zh-CN" altLang="en-US" dirty="0"/>
           </a:p>
         </p:txBody>
       </p:sp>
       <p:sp>
         <p:nvSpPr>
-          <p:cNvPr id="11" name="矩形 10">
+          <p:cNvPr id="15" name="矩形 14">
             <a:extLst>
               <a:ext uri="{FF2B5EF4-FFF2-40B4-BE49-F238E27FC236}">
-                <a16:creationId xmlns:a16="http://schemas.microsoft.com/office/drawing/2014/main" id="{743D1F4E-2EFD-418B-B63E-308ED41CF3E4}"/>
+                <a16:creationId xmlns:a16="http://schemas.microsoft.com/office/drawing/2014/main" id="{E3AD5198-0482-4432-B0C1-9D767448A907}"/>
               </a:ext>
             </a:extLst>
           </p:cNvPr>
@@ -7500,8 +6285,169 @@
         </p:nvSpPr>
         <p:spPr>
           <a:xfrm>
-            <a:off x="802434" y="5038531"/>
-            <a:ext cx="541176" cy="382555"/>
+            <a:off x="1536970" y="3134787"/>
+            <a:ext cx="739302" cy="330741"/>
+          </a:xfrm>
+          <a:prstGeom prst="rect">
+            <a:avLst/>
+          </a:prstGeom>
+        </p:spPr>
+        <p:style>
+          <a:lnRef idx="2">
+            <a:schemeClr val="accent4">
+              <a:shade val="50000"/>
+            </a:schemeClr>
+          </a:lnRef>
+          <a:fillRef idx="1">
+            <a:schemeClr val="accent4"/>
+          </a:fillRef>
+          <a:effectRef idx="0">
+            <a:schemeClr val="accent4"/>
+          </a:effectRef>
+          <a:fontRef idx="minor">
+            <a:schemeClr val="lt1"/>
+          </a:fontRef>
+        </p:style>
+        <p:txBody>
+          <a:bodyPr rtlCol="0" anchor="ctr"/>
+          <a:lstStyle/>
+          <a:p>
+            <a:pPr algn="ctr"/>
+            <a:r>
+              <a:rPr lang="zh-CN" altLang="en-US" sz="1600" dirty="0">
+                <a:latin typeface="微软雅黑" panose="020B0503020204020204" pitchFamily="34" charset="-122"/>
+                <a:ea typeface="微软雅黑" panose="020B0503020204020204" pitchFamily="34" charset="-122"/>
+              </a:rPr>
+              <a:t>河流</a:t>
+            </a:r>
+          </a:p>
+        </p:txBody>
+      </p:sp>
+      <p:sp>
+        <p:nvSpPr>
+          <p:cNvPr id="16" name="矩形 15">
+            <a:extLst>
+              <a:ext uri="{FF2B5EF4-FFF2-40B4-BE49-F238E27FC236}">
+                <a16:creationId xmlns:a16="http://schemas.microsoft.com/office/drawing/2014/main" id="{FB67E1E9-8DE5-4294-8B7B-C773E2A17121}"/>
+              </a:ext>
+            </a:extLst>
+          </p:cNvPr>
+          <p:cNvSpPr/>
+          <p:nvPr/>
+        </p:nvSpPr>
+        <p:spPr>
+          <a:xfrm>
+            <a:off x="1536970" y="3625704"/>
+            <a:ext cx="739302" cy="330741"/>
+          </a:xfrm>
+          <a:prstGeom prst="rect">
+            <a:avLst/>
+          </a:prstGeom>
+        </p:spPr>
+        <p:style>
+          <a:lnRef idx="2">
+            <a:schemeClr val="accent4">
+              <a:shade val="50000"/>
+            </a:schemeClr>
+          </a:lnRef>
+          <a:fillRef idx="1">
+            <a:schemeClr val="accent4"/>
+          </a:fillRef>
+          <a:effectRef idx="0">
+            <a:schemeClr val="accent4"/>
+          </a:effectRef>
+          <a:fontRef idx="minor">
+            <a:schemeClr val="lt1"/>
+          </a:fontRef>
+        </p:style>
+        <p:txBody>
+          <a:bodyPr rtlCol="0" anchor="ctr"/>
+          <a:lstStyle/>
+          <a:p>
+            <a:pPr algn="ctr"/>
+            <a:r>
+              <a:rPr lang="zh-CN" altLang="en-US" sz="1600" dirty="0">
+                <a:latin typeface="微软雅黑" panose="020B0503020204020204" pitchFamily="34" charset="-122"/>
+                <a:ea typeface="微软雅黑" panose="020B0503020204020204" pitchFamily="34" charset="-122"/>
+              </a:rPr>
+              <a:t>城市</a:t>
+            </a:r>
+            <a:endParaRPr lang="zh-CN" altLang="en-US" dirty="0"/>
+          </a:p>
+        </p:txBody>
+      </p:sp>
+      <p:sp>
+        <p:nvSpPr>
+          <p:cNvPr id="17" name="矩形 16">
+            <a:extLst>
+              <a:ext uri="{FF2B5EF4-FFF2-40B4-BE49-F238E27FC236}">
+                <a16:creationId xmlns:a16="http://schemas.microsoft.com/office/drawing/2014/main" id="{AA3B1B2F-D4F6-4A55-9F50-0FC1C2F846E8}"/>
+              </a:ext>
+            </a:extLst>
+          </p:cNvPr>
+          <p:cNvSpPr/>
+          <p:nvPr/>
+        </p:nvSpPr>
+        <p:spPr>
+          <a:xfrm>
+            <a:off x="1536970" y="4127770"/>
+            <a:ext cx="739302" cy="288588"/>
+          </a:xfrm>
+          <a:prstGeom prst="rect">
+            <a:avLst/>
+          </a:prstGeom>
+        </p:spPr>
+        <p:style>
+          <a:lnRef idx="2">
+            <a:schemeClr val="accent4">
+              <a:shade val="50000"/>
+            </a:schemeClr>
+          </a:lnRef>
+          <a:fillRef idx="1">
+            <a:schemeClr val="accent4"/>
+          </a:fillRef>
+          <a:effectRef idx="0">
+            <a:schemeClr val="accent4"/>
+          </a:effectRef>
+          <a:fontRef idx="minor">
+            <a:schemeClr val="lt1"/>
+          </a:fontRef>
+        </p:style>
+        <p:txBody>
+          <a:bodyPr rtlCol="0" anchor="ctr"/>
+          <a:lstStyle/>
+          <a:p>
+            <a:pPr algn="ctr"/>
+            <a:r>
+              <a:rPr lang="en-US" altLang="zh-CN" sz="1600" dirty="0">
+                <a:latin typeface="微软雅黑" panose="020B0503020204020204" pitchFamily="34" charset="-122"/>
+                <a:ea typeface="微软雅黑" panose="020B0503020204020204" pitchFamily="34" charset="-122"/>
+              </a:rPr>
+              <a:t>…</a:t>
+            </a:r>
+            <a:endParaRPr lang="zh-CN" altLang="en-US" sz="1600" dirty="0">
+              <a:latin typeface="微软雅黑" panose="020B0503020204020204" pitchFamily="34" charset="-122"/>
+              <a:ea typeface="微软雅黑" panose="020B0503020204020204" pitchFamily="34" charset="-122"/>
+            </a:endParaRPr>
+          </a:p>
+        </p:txBody>
+      </p:sp>
+      <p:sp>
+        <p:nvSpPr>
+          <p:cNvPr id="18" name="文本框 17">
+            <a:extLst>
+              <a:ext uri="{FF2B5EF4-FFF2-40B4-BE49-F238E27FC236}">
+                <a16:creationId xmlns:a16="http://schemas.microsoft.com/office/drawing/2014/main" id="{B862F3CA-BFC7-441F-A066-5A197B4908E0}"/>
+              </a:ext>
+            </a:extLst>
+          </p:cNvPr>
+          <p:cNvSpPr txBox="1"/>
+          <p:nvPr/>
+        </p:nvSpPr>
+        <p:spPr>
+          <a:xfrm>
+            <a:off x="3317080" y="1856789"/>
+            <a:ext cx="2323323" cy="2827175"/>
           </a:xfrm>
           <a:prstGeom prst="rect">
             <a:avLst/>
@@ -7512,17 +6458,48 @@
             </a:schemeClr>
           </a:solidFill>
         </p:spPr>
+        <p:txBody>
+          <a:bodyPr wrap="square" rtlCol="0">
+            <a:spAutoFit/>
+          </a:bodyPr>
+          <a:lstStyle/>
+          <a:p>
+            <a:endParaRPr lang="zh-CN" altLang="en-US" dirty="0"/>
+          </a:p>
+        </p:txBody>
+      </p:sp>
+      <p:sp>
+        <p:nvSpPr>
+          <p:cNvPr id="19" name="矩形 18">
+            <a:extLst>
+              <a:ext uri="{FF2B5EF4-FFF2-40B4-BE49-F238E27FC236}">
+                <a16:creationId xmlns:a16="http://schemas.microsoft.com/office/drawing/2014/main" id="{D4E6F63F-EE47-4E33-A894-405845003AFB}"/>
+              </a:ext>
+            </a:extLst>
+          </p:cNvPr>
+          <p:cNvSpPr/>
+          <p:nvPr/>
+        </p:nvSpPr>
+        <p:spPr>
+          <a:xfrm>
+            <a:off x="4168681" y="2072060"/>
+            <a:ext cx="739302" cy="330741"/>
+          </a:xfrm>
+          <a:prstGeom prst="rect">
+            <a:avLst/>
+          </a:prstGeom>
+        </p:spPr>
         <p:style>
           <a:lnRef idx="2">
-            <a:schemeClr val="accent1">
+            <a:schemeClr val="accent4">
               <a:shade val="50000"/>
             </a:schemeClr>
           </a:lnRef>
           <a:fillRef idx="1">
-            <a:schemeClr val="accent1"/>
+            <a:schemeClr val="accent4"/>
           </a:fillRef>
           <a:effectRef idx="0">
-            <a:schemeClr val="accent1"/>
+            <a:schemeClr val="accent4"/>
           </a:effectRef>
           <a:fontRef idx="minor">
             <a:schemeClr val="lt1"/>
@@ -7533,16 +6510,26 @@
           <a:lstStyle/>
           <a:p>
             <a:pPr algn="ctr"/>
-            <a:endParaRPr lang="zh-CN" altLang="en-US"/>
-          </a:p>
-        </p:txBody>
-      </p:sp>
-      <p:sp>
-        <p:nvSpPr>
-          <p:cNvPr id="12" name="矩形 11">
+            <a:r>
+              <a:rPr lang="en-US" altLang="zh-CN" sz="1600" dirty="0">
+                <a:latin typeface="微软雅黑" panose="020B0503020204020204" pitchFamily="34" charset="-122"/>
+                <a:ea typeface="微软雅黑" panose="020B0503020204020204" pitchFamily="34" charset="-122"/>
+              </a:rPr>
+              <a:t>…</a:t>
+            </a:r>
+            <a:endParaRPr lang="zh-CN" altLang="en-US" sz="1600" dirty="0">
+              <a:latin typeface="微软雅黑" panose="020B0503020204020204" pitchFamily="34" charset="-122"/>
+              <a:ea typeface="微软雅黑" panose="020B0503020204020204" pitchFamily="34" charset="-122"/>
+            </a:endParaRPr>
+          </a:p>
+        </p:txBody>
+      </p:sp>
+      <p:sp>
+        <p:nvSpPr>
+          <p:cNvPr id="20" name="矩形 19">
             <a:extLst>
               <a:ext uri="{FF2B5EF4-FFF2-40B4-BE49-F238E27FC236}">
-                <a16:creationId xmlns:a16="http://schemas.microsoft.com/office/drawing/2014/main" id="{F72E333A-CF6A-46D8-AF00-B80405F72609}"/>
+                <a16:creationId xmlns:a16="http://schemas.microsoft.com/office/drawing/2014/main" id="{16ACACF6-ED9E-4C08-8C07-4DAF0FF667FE}"/>
               </a:ext>
             </a:extLst>
           </p:cNvPr>
@@ -7551,8 +6538,844 @@
         </p:nvSpPr>
         <p:spPr>
           <a:xfrm>
-            <a:off x="802434" y="4655976"/>
-            <a:ext cx="541176" cy="382555"/>
+            <a:off x="4168681" y="2632721"/>
+            <a:ext cx="739302" cy="330741"/>
+          </a:xfrm>
+          <a:prstGeom prst="rect">
+            <a:avLst/>
+          </a:prstGeom>
+        </p:spPr>
+        <p:style>
+          <a:lnRef idx="2">
+            <a:schemeClr val="accent4">
+              <a:shade val="50000"/>
+            </a:schemeClr>
+          </a:lnRef>
+          <a:fillRef idx="1">
+            <a:schemeClr val="accent4"/>
+          </a:fillRef>
+          <a:effectRef idx="0">
+            <a:schemeClr val="accent4"/>
+          </a:effectRef>
+          <a:fontRef idx="minor">
+            <a:schemeClr val="lt1"/>
+          </a:fontRef>
+        </p:style>
+        <p:txBody>
+          <a:bodyPr rtlCol="0" anchor="ctr"/>
+          <a:lstStyle/>
+          <a:p>
+            <a:pPr algn="ctr"/>
+            <a:r>
+              <a:rPr lang="en-US" altLang="zh-CN" sz="1600" dirty="0">
+                <a:latin typeface="微软雅黑" panose="020B0503020204020204" pitchFamily="34" charset="-122"/>
+                <a:ea typeface="微软雅黑" panose="020B0503020204020204" pitchFamily="34" charset="-122"/>
+              </a:rPr>
+              <a:t>…</a:t>
+            </a:r>
+            <a:endParaRPr lang="zh-CN" altLang="en-US" dirty="0"/>
+          </a:p>
+        </p:txBody>
+      </p:sp>
+      <p:sp>
+        <p:nvSpPr>
+          <p:cNvPr id="21" name="矩形 20">
+            <a:extLst>
+              <a:ext uri="{FF2B5EF4-FFF2-40B4-BE49-F238E27FC236}">
+                <a16:creationId xmlns:a16="http://schemas.microsoft.com/office/drawing/2014/main" id="{7F944C0A-0508-4229-89BF-E8A39BF97724}"/>
+              </a:ext>
+            </a:extLst>
+          </p:cNvPr>
+          <p:cNvSpPr/>
+          <p:nvPr/>
+        </p:nvSpPr>
+        <p:spPr>
+          <a:xfrm>
+            <a:off x="4168681" y="3105007"/>
+            <a:ext cx="739302" cy="330741"/>
+          </a:xfrm>
+          <a:prstGeom prst="rect">
+            <a:avLst/>
+          </a:prstGeom>
+        </p:spPr>
+        <p:style>
+          <a:lnRef idx="2">
+            <a:schemeClr val="accent4">
+              <a:shade val="50000"/>
+            </a:schemeClr>
+          </a:lnRef>
+          <a:fillRef idx="1">
+            <a:schemeClr val="accent4"/>
+          </a:fillRef>
+          <a:effectRef idx="0">
+            <a:schemeClr val="accent4"/>
+          </a:effectRef>
+          <a:fontRef idx="minor">
+            <a:schemeClr val="lt1"/>
+          </a:fontRef>
+        </p:style>
+        <p:txBody>
+          <a:bodyPr rtlCol="0" anchor="ctr"/>
+          <a:lstStyle/>
+          <a:p>
+            <a:pPr algn="ctr"/>
+            <a:r>
+              <a:rPr lang="en-US" altLang="zh-CN" sz="1600" dirty="0">
+                <a:latin typeface="微软雅黑" panose="020B0503020204020204" pitchFamily="34" charset="-122"/>
+                <a:ea typeface="微软雅黑" panose="020B0503020204020204" pitchFamily="34" charset="-122"/>
+              </a:rPr>
+              <a:t>…</a:t>
+            </a:r>
+            <a:endParaRPr lang="zh-CN" altLang="en-US" sz="1600" dirty="0">
+              <a:latin typeface="微软雅黑" panose="020B0503020204020204" pitchFamily="34" charset="-122"/>
+              <a:ea typeface="微软雅黑" panose="020B0503020204020204" pitchFamily="34" charset="-122"/>
+            </a:endParaRPr>
+          </a:p>
+        </p:txBody>
+      </p:sp>
+      <p:sp>
+        <p:nvSpPr>
+          <p:cNvPr id="22" name="矩形 21">
+            <a:extLst>
+              <a:ext uri="{FF2B5EF4-FFF2-40B4-BE49-F238E27FC236}">
+                <a16:creationId xmlns:a16="http://schemas.microsoft.com/office/drawing/2014/main" id="{559DE409-657B-45ED-A80D-C02B7732DB15}"/>
+              </a:ext>
+            </a:extLst>
+          </p:cNvPr>
+          <p:cNvSpPr/>
+          <p:nvPr/>
+        </p:nvSpPr>
+        <p:spPr>
+          <a:xfrm>
+            <a:off x="4168681" y="3555372"/>
+            <a:ext cx="739302" cy="330741"/>
+          </a:xfrm>
+          <a:prstGeom prst="rect">
+            <a:avLst/>
+          </a:prstGeom>
+        </p:spPr>
+        <p:style>
+          <a:lnRef idx="2">
+            <a:schemeClr val="accent4">
+              <a:shade val="50000"/>
+            </a:schemeClr>
+          </a:lnRef>
+          <a:fillRef idx="1">
+            <a:schemeClr val="accent4"/>
+          </a:fillRef>
+          <a:effectRef idx="0">
+            <a:schemeClr val="accent4"/>
+          </a:effectRef>
+          <a:fontRef idx="minor">
+            <a:schemeClr val="lt1"/>
+          </a:fontRef>
+        </p:style>
+        <p:txBody>
+          <a:bodyPr rtlCol="0" anchor="ctr"/>
+          <a:lstStyle/>
+          <a:p>
+            <a:pPr algn="ctr"/>
+            <a:r>
+              <a:rPr lang="en-US" altLang="zh-CN" sz="1600" dirty="0">
+                <a:latin typeface="微软雅黑" panose="020B0503020204020204" pitchFamily="34" charset="-122"/>
+                <a:ea typeface="微软雅黑" panose="020B0503020204020204" pitchFamily="34" charset="-122"/>
+              </a:rPr>
+              <a:t>…</a:t>
+            </a:r>
+            <a:endParaRPr lang="zh-CN" altLang="en-US" dirty="0"/>
+          </a:p>
+        </p:txBody>
+      </p:sp>
+      <p:sp>
+        <p:nvSpPr>
+          <p:cNvPr id="23" name="矩形 22">
+            <a:extLst>
+              <a:ext uri="{FF2B5EF4-FFF2-40B4-BE49-F238E27FC236}">
+                <a16:creationId xmlns:a16="http://schemas.microsoft.com/office/drawing/2014/main" id="{2E0FB9C9-3972-4C70-B920-1F9CE1D07087}"/>
+              </a:ext>
+            </a:extLst>
+          </p:cNvPr>
+          <p:cNvSpPr/>
+          <p:nvPr/>
+        </p:nvSpPr>
+        <p:spPr>
+          <a:xfrm>
+            <a:off x="4193379" y="4090481"/>
+            <a:ext cx="739302" cy="288588"/>
+          </a:xfrm>
+          <a:prstGeom prst="rect">
+            <a:avLst/>
+          </a:prstGeom>
+        </p:spPr>
+        <p:style>
+          <a:lnRef idx="2">
+            <a:schemeClr val="accent4">
+              <a:shade val="50000"/>
+            </a:schemeClr>
+          </a:lnRef>
+          <a:fillRef idx="1">
+            <a:schemeClr val="accent4"/>
+          </a:fillRef>
+          <a:effectRef idx="0">
+            <a:schemeClr val="accent4"/>
+          </a:effectRef>
+          <a:fontRef idx="minor">
+            <a:schemeClr val="lt1"/>
+          </a:fontRef>
+        </p:style>
+        <p:txBody>
+          <a:bodyPr rtlCol="0" anchor="ctr"/>
+          <a:lstStyle/>
+          <a:p>
+            <a:pPr algn="ctr"/>
+            <a:r>
+              <a:rPr lang="en-US" altLang="zh-CN" sz="1600" dirty="0">
+                <a:latin typeface="微软雅黑" panose="020B0503020204020204" pitchFamily="34" charset="-122"/>
+                <a:ea typeface="微软雅黑" panose="020B0503020204020204" pitchFamily="34" charset="-122"/>
+              </a:rPr>
+              <a:t>…</a:t>
+            </a:r>
+            <a:endParaRPr lang="zh-CN" altLang="en-US" sz="1600" dirty="0">
+              <a:latin typeface="微软雅黑" panose="020B0503020204020204" pitchFamily="34" charset="-122"/>
+              <a:ea typeface="微软雅黑" panose="020B0503020204020204" pitchFamily="34" charset="-122"/>
+            </a:endParaRPr>
+          </a:p>
+        </p:txBody>
+      </p:sp>
+      <p:sp>
+        <p:nvSpPr>
+          <p:cNvPr id="24" name="文本框 23">
+            <a:extLst>
+              <a:ext uri="{FF2B5EF4-FFF2-40B4-BE49-F238E27FC236}">
+                <a16:creationId xmlns:a16="http://schemas.microsoft.com/office/drawing/2014/main" id="{900AB557-584F-4AF8-81A4-75223B028FF7}"/>
+              </a:ext>
+            </a:extLst>
+          </p:cNvPr>
+          <p:cNvSpPr txBox="1"/>
+          <p:nvPr/>
+        </p:nvSpPr>
+        <p:spPr>
+          <a:xfrm>
+            <a:off x="5883976" y="1856792"/>
+            <a:ext cx="2323323" cy="2827175"/>
+          </a:xfrm>
+          <a:prstGeom prst="rect">
+            <a:avLst/>
+          </a:prstGeom>
+          <a:solidFill>
+            <a:srgbClr val="FFFF00"/>
+          </a:solidFill>
+        </p:spPr>
+        <p:txBody>
+          <a:bodyPr wrap="square" rtlCol="0">
+            <a:spAutoFit/>
+          </a:bodyPr>
+          <a:lstStyle/>
+          <a:p>
+            <a:endParaRPr lang="zh-CN" altLang="en-US" dirty="0"/>
+          </a:p>
+        </p:txBody>
+      </p:sp>
+      <p:sp>
+        <p:nvSpPr>
+          <p:cNvPr id="25" name="矩形 24">
+            <a:extLst>
+              <a:ext uri="{FF2B5EF4-FFF2-40B4-BE49-F238E27FC236}">
+                <a16:creationId xmlns:a16="http://schemas.microsoft.com/office/drawing/2014/main" id="{8B636521-B266-486E-AEC4-58DBC5F6CCE0}"/>
+              </a:ext>
+            </a:extLst>
+          </p:cNvPr>
+          <p:cNvSpPr/>
+          <p:nvPr/>
+        </p:nvSpPr>
+        <p:spPr>
+          <a:xfrm>
+            <a:off x="6654446" y="2110902"/>
+            <a:ext cx="739302" cy="330741"/>
+          </a:xfrm>
+          <a:prstGeom prst="rect">
+            <a:avLst/>
+          </a:prstGeom>
+        </p:spPr>
+        <p:style>
+          <a:lnRef idx="2">
+            <a:schemeClr val="accent4">
+              <a:shade val="50000"/>
+            </a:schemeClr>
+          </a:lnRef>
+          <a:fillRef idx="1">
+            <a:schemeClr val="accent4"/>
+          </a:fillRef>
+          <a:effectRef idx="0">
+            <a:schemeClr val="accent4"/>
+          </a:effectRef>
+          <a:fontRef idx="minor">
+            <a:schemeClr val="lt1"/>
+          </a:fontRef>
+        </p:style>
+        <p:txBody>
+          <a:bodyPr rtlCol="0" anchor="ctr"/>
+          <a:lstStyle/>
+          <a:p>
+            <a:pPr algn="ctr"/>
+            <a:r>
+              <a:rPr lang="en-US" altLang="zh-CN" sz="1600" dirty="0">
+                <a:latin typeface="微软雅黑" panose="020B0503020204020204" pitchFamily="34" charset="-122"/>
+                <a:ea typeface="微软雅黑" panose="020B0503020204020204" pitchFamily="34" charset="-122"/>
+              </a:rPr>
+              <a:t>…</a:t>
+            </a:r>
+            <a:endParaRPr lang="zh-CN" altLang="en-US" sz="1600" dirty="0">
+              <a:latin typeface="微软雅黑" panose="020B0503020204020204" pitchFamily="34" charset="-122"/>
+              <a:ea typeface="微软雅黑" panose="020B0503020204020204" pitchFamily="34" charset="-122"/>
+            </a:endParaRPr>
+          </a:p>
+        </p:txBody>
+      </p:sp>
+      <p:sp>
+        <p:nvSpPr>
+          <p:cNvPr id="26" name="矩形 25">
+            <a:extLst>
+              <a:ext uri="{FF2B5EF4-FFF2-40B4-BE49-F238E27FC236}">
+                <a16:creationId xmlns:a16="http://schemas.microsoft.com/office/drawing/2014/main" id="{9043ED67-62CE-4068-BDF3-7938174BD075}"/>
+              </a:ext>
+            </a:extLst>
+          </p:cNvPr>
+          <p:cNvSpPr/>
+          <p:nvPr/>
+        </p:nvSpPr>
+        <p:spPr>
+          <a:xfrm>
+            <a:off x="6654446" y="2669812"/>
+            <a:ext cx="739302" cy="330741"/>
+          </a:xfrm>
+          <a:prstGeom prst="rect">
+            <a:avLst/>
+          </a:prstGeom>
+        </p:spPr>
+        <p:style>
+          <a:lnRef idx="2">
+            <a:schemeClr val="accent4">
+              <a:shade val="50000"/>
+            </a:schemeClr>
+          </a:lnRef>
+          <a:fillRef idx="1">
+            <a:schemeClr val="accent4"/>
+          </a:fillRef>
+          <a:effectRef idx="0">
+            <a:schemeClr val="accent4"/>
+          </a:effectRef>
+          <a:fontRef idx="minor">
+            <a:schemeClr val="lt1"/>
+          </a:fontRef>
+        </p:style>
+        <p:txBody>
+          <a:bodyPr rtlCol="0" anchor="ctr"/>
+          <a:lstStyle/>
+          <a:p>
+            <a:pPr algn="ctr"/>
+            <a:r>
+              <a:rPr lang="en-US" altLang="zh-CN" sz="1600" dirty="0">
+                <a:latin typeface="微软雅黑" panose="020B0503020204020204" pitchFamily="34" charset="-122"/>
+                <a:ea typeface="微软雅黑" panose="020B0503020204020204" pitchFamily="34" charset="-122"/>
+              </a:rPr>
+              <a:t>…</a:t>
+            </a:r>
+            <a:endParaRPr lang="zh-CN" altLang="en-US" dirty="0"/>
+          </a:p>
+        </p:txBody>
+      </p:sp>
+      <p:sp>
+        <p:nvSpPr>
+          <p:cNvPr id="27" name="矩形 26">
+            <a:extLst>
+              <a:ext uri="{FF2B5EF4-FFF2-40B4-BE49-F238E27FC236}">
+                <a16:creationId xmlns:a16="http://schemas.microsoft.com/office/drawing/2014/main" id="{1A6C1DE7-91FD-48DB-B35A-002A3CE4C403}"/>
+              </a:ext>
+            </a:extLst>
+          </p:cNvPr>
+          <p:cNvSpPr/>
+          <p:nvPr/>
+        </p:nvSpPr>
+        <p:spPr>
+          <a:xfrm>
+            <a:off x="6654446" y="3134787"/>
+            <a:ext cx="739302" cy="330741"/>
+          </a:xfrm>
+          <a:prstGeom prst="rect">
+            <a:avLst/>
+          </a:prstGeom>
+        </p:spPr>
+        <p:style>
+          <a:lnRef idx="2">
+            <a:schemeClr val="accent4">
+              <a:shade val="50000"/>
+            </a:schemeClr>
+          </a:lnRef>
+          <a:fillRef idx="1">
+            <a:schemeClr val="accent4"/>
+          </a:fillRef>
+          <a:effectRef idx="0">
+            <a:schemeClr val="accent4"/>
+          </a:effectRef>
+          <a:fontRef idx="minor">
+            <a:schemeClr val="lt1"/>
+          </a:fontRef>
+        </p:style>
+        <p:txBody>
+          <a:bodyPr rtlCol="0" anchor="ctr"/>
+          <a:lstStyle/>
+          <a:p>
+            <a:pPr algn="ctr"/>
+            <a:r>
+              <a:rPr lang="en-US" altLang="zh-CN" sz="1600" dirty="0">
+                <a:latin typeface="微软雅黑" panose="020B0503020204020204" pitchFamily="34" charset="-122"/>
+                <a:ea typeface="微软雅黑" panose="020B0503020204020204" pitchFamily="34" charset="-122"/>
+              </a:rPr>
+              <a:t>…</a:t>
+            </a:r>
+            <a:endParaRPr lang="zh-CN" altLang="en-US" sz="1600" dirty="0">
+              <a:latin typeface="微软雅黑" panose="020B0503020204020204" pitchFamily="34" charset="-122"/>
+              <a:ea typeface="微软雅黑" panose="020B0503020204020204" pitchFamily="34" charset="-122"/>
+            </a:endParaRPr>
+          </a:p>
+        </p:txBody>
+      </p:sp>
+      <p:sp>
+        <p:nvSpPr>
+          <p:cNvPr id="28" name="矩形 27">
+            <a:extLst>
+              <a:ext uri="{FF2B5EF4-FFF2-40B4-BE49-F238E27FC236}">
+                <a16:creationId xmlns:a16="http://schemas.microsoft.com/office/drawing/2014/main" id="{A5F5A3F1-7D1C-4C73-A737-0831B100CE98}"/>
+              </a:ext>
+            </a:extLst>
+          </p:cNvPr>
+          <p:cNvSpPr/>
+          <p:nvPr/>
+        </p:nvSpPr>
+        <p:spPr>
+          <a:xfrm>
+            <a:off x="6654446" y="3625704"/>
+            <a:ext cx="739302" cy="330741"/>
+          </a:xfrm>
+          <a:prstGeom prst="rect">
+            <a:avLst/>
+          </a:prstGeom>
+        </p:spPr>
+        <p:style>
+          <a:lnRef idx="2">
+            <a:schemeClr val="accent4">
+              <a:shade val="50000"/>
+            </a:schemeClr>
+          </a:lnRef>
+          <a:fillRef idx="1">
+            <a:schemeClr val="accent4"/>
+          </a:fillRef>
+          <a:effectRef idx="0">
+            <a:schemeClr val="accent4"/>
+          </a:effectRef>
+          <a:fontRef idx="minor">
+            <a:schemeClr val="lt1"/>
+          </a:fontRef>
+        </p:style>
+        <p:txBody>
+          <a:bodyPr rtlCol="0" anchor="ctr"/>
+          <a:lstStyle/>
+          <a:p>
+            <a:pPr algn="ctr"/>
+            <a:r>
+              <a:rPr lang="en-US" altLang="zh-CN" sz="1600" dirty="0">
+                <a:latin typeface="微软雅黑" panose="020B0503020204020204" pitchFamily="34" charset="-122"/>
+                <a:ea typeface="微软雅黑" panose="020B0503020204020204" pitchFamily="34" charset="-122"/>
+              </a:rPr>
+              <a:t>…</a:t>
+            </a:r>
+            <a:endParaRPr lang="zh-CN" altLang="en-US" dirty="0"/>
+          </a:p>
+        </p:txBody>
+      </p:sp>
+      <p:sp>
+        <p:nvSpPr>
+          <p:cNvPr id="29" name="矩形 28">
+            <a:extLst>
+              <a:ext uri="{FF2B5EF4-FFF2-40B4-BE49-F238E27FC236}">
+                <a16:creationId xmlns:a16="http://schemas.microsoft.com/office/drawing/2014/main" id="{03E205E9-AB64-439A-8C50-7E516ED03558}"/>
+              </a:ext>
+            </a:extLst>
+          </p:cNvPr>
+          <p:cNvSpPr/>
+          <p:nvPr/>
+        </p:nvSpPr>
+        <p:spPr>
+          <a:xfrm>
+            <a:off x="6654446" y="4127770"/>
+            <a:ext cx="739302" cy="288588"/>
+          </a:xfrm>
+          <a:prstGeom prst="rect">
+            <a:avLst/>
+          </a:prstGeom>
+        </p:spPr>
+        <p:style>
+          <a:lnRef idx="2">
+            <a:schemeClr val="accent4">
+              <a:shade val="50000"/>
+            </a:schemeClr>
+          </a:lnRef>
+          <a:fillRef idx="1">
+            <a:schemeClr val="accent4"/>
+          </a:fillRef>
+          <a:effectRef idx="0">
+            <a:schemeClr val="accent4"/>
+          </a:effectRef>
+          <a:fontRef idx="minor">
+            <a:schemeClr val="lt1"/>
+          </a:fontRef>
+        </p:style>
+        <p:txBody>
+          <a:bodyPr rtlCol="0" anchor="ctr"/>
+          <a:lstStyle/>
+          <a:p>
+            <a:pPr algn="ctr"/>
+            <a:r>
+              <a:rPr lang="en-US" altLang="zh-CN" sz="1600" dirty="0">
+                <a:latin typeface="微软雅黑" panose="020B0503020204020204" pitchFamily="34" charset="-122"/>
+                <a:ea typeface="微软雅黑" panose="020B0503020204020204" pitchFamily="34" charset="-122"/>
+              </a:rPr>
+              <a:t>…</a:t>
+            </a:r>
+            <a:endParaRPr lang="zh-CN" altLang="en-US" sz="1600" dirty="0">
+              <a:latin typeface="微软雅黑" panose="020B0503020204020204" pitchFamily="34" charset="-122"/>
+              <a:ea typeface="微软雅黑" panose="020B0503020204020204" pitchFamily="34" charset="-122"/>
+            </a:endParaRPr>
+          </a:p>
+        </p:txBody>
+      </p:sp>
+      <p:sp>
+        <p:nvSpPr>
+          <p:cNvPr id="30" name="文本框 29">
+            <a:extLst>
+              <a:ext uri="{FF2B5EF4-FFF2-40B4-BE49-F238E27FC236}">
+                <a16:creationId xmlns:a16="http://schemas.microsoft.com/office/drawing/2014/main" id="{79F479D4-1AC0-45F3-AFC4-5EAA7F24A8A9}"/>
+              </a:ext>
+            </a:extLst>
+          </p:cNvPr>
+          <p:cNvSpPr txBox="1"/>
+          <p:nvPr/>
+        </p:nvSpPr>
+        <p:spPr>
+          <a:xfrm>
+            <a:off x="8331707" y="1856792"/>
+            <a:ext cx="2323323" cy="2827175"/>
+          </a:xfrm>
+          <a:prstGeom prst="rect">
+            <a:avLst/>
+          </a:prstGeom>
+          <a:solidFill>
+            <a:schemeClr val="bg1">
+              <a:alpha val="43000"/>
+            </a:schemeClr>
+          </a:solidFill>
+        </p:spPr>
+        <p:txBody>
+          <a:bodyPr wrap="square" rtlCol="0">
+            <a:spAutoFit/>
+          </a:bodyPr>
+          <a:lstStyle/>
+          <a:p>
+            <a:endParaRPr lang="zh-CN" altLang="en-US" dirty="0"/>
+          </a:p>
+        </p:txBody>
+      </p:sp>
+      <p:sp>
+        <p:nvSpPr>
+          <p:cNvPr id="31" name="矩形 30">
+            <a:extLst>
+              <a:ext uri="{FF2B5EF4-FFF2-40B4-BE49-F238E27FC236}">
+                <a16:creationId xmlns:a16="http://schemas.microsoft.com/office/drawing/2014/main" id="{7B9E7DEE-733C-4A1B-8333-2D8850213FC1}"/>
+              </a:ext>
+            </a:extLst>
+          </p:cNvPr>
+          <p:cNvSpPr/>
+          <p:nvPr/>
+        </p:nvSpPr>
+        <p:spPr>
+          <a:xfrm>
+            <a:off x="9102177" y="2110902"/>
+            <a:ext cx="739302" cy="330741"/>
+          </a:xfrm>
+          <a:prstGeom prst="rect">
+            <a:avLst/>
+          </a:prstGeom>
+        </p:spPr>
+        <p:style>
+          <a:lnRef idx="2">
+            <a:schemeClr val="accent4">
+              <a:shade val="50000"/>
+            </a:schemeClr>
+          </a:lnRef>
+          <a:fillRef idx="1">
+            <a:schemeClr val="accent4"/>
+          </a:fillRef>
+          <a:effectRef idx="0">
+            <a:schemeClr val="accent4"/>
+          </a:effectRef>
+          <a:fontRef idx="minor">
+            <a:schemeClr val="lt1"/>
+          </a:fontRef>
+        </p:style>
+        <p:txBody>
+          <a:bodyPr rtlCol="0" anchor="ctr"/>
+          <a:lstStyle/>
+          <a:p>
+            <a:pPr algn="ctr"/>
+            <a:r>
+              <a:rPr lang="en-US" altLang="zh-CN" sz="1600" dirty="0">
+                <a:latin typeface="微软雅黑" panose="020B0503020204020204" pitchFamily="34" charset="-122"/>
+                <a:ea typeface="微软雅黑" panose="020B0503020204020204" pitchFamily="34" charset="-122"/>
+              </a:rPr>
+              <a:t>…</a:t>
+            </a:r>
+            <a:endParaRPr lang="zh-CN" altLang="en-US" sz="1600" dirty="0">
+              <a:latin typeface="微软雅黑" panose="020B0503020204020204" pitchFamily="34" charset="-122"/>
+              <a:ea typeface="微软雅黑" panose="020B0503020204020204" pitchFamily="34" charset="-122"/>
+            </a:endParaRPr>
+          </a:p>
+        </p:txBody>
+      </p:sp>
+      <p:sp>
+        <p:nvSpPr>
+          <p:cNvPr id="32" name="矩形 31">
+            <a:extLst>
+              <a:ext uri="{FF2B5EF4-FFF2-40B4-BE49-F238E27FC236}">
+                <a16:creationId xmlns:a16="http://schemas.microsoft.com/office/drawing/2014/main" id="{934DEA06-C697-4675-A51D-C2F06A8F390B}"/>
+              </a:ext>
+            </a:extLst>
+          </p:cNvPr>
+          <p:cNvSpPr/>
+          <p:nvPr/>
+        </p:nvSpPr>
+        <p:spPr>
+          <a:xfrm>
+            <a:off x="9102177" y="2669812"/>
+            <a:ext cx="739302" cy="330741"/>
+          </a:xfrm>
+          <a:prstGeom prst="rect">
+            <a:avLst/>
+          </a:prstGeom>
+        </p:spPr>
+        <p:style>
+          <a:lnRef idx="2">
+            <a:schemeClr val="accent4">
+              <a:shade val="50000"/>
+            </a:schemeClr>
+          </a:lnRef>
+          <a:fillRef idx="1">
+            <a:schemeClr val="accent4"/>
+          </a:fillRef>
+          <a:effectRef idx="0">
+            <a:schemeClr val="accent4"/>
+          </a:effectRef>
+          <a:fontRef idx="minor">
+            <a:schemeClr val="lt1"/>
+          </a:fontRef>
+        </p:style>
+        <p:txBody>
+          <a:bodyPr rtlCol="0" anchor="ctr"/>
+          <a:lstStyle/>
+          <a:p>
+            <a:pPr algn="ctr"/>
+            <a:r>
+              <a:rPr lang="en-US" altLang="zh-CN" sz="1600" dirty="0">
+                <a:latin typeface="微软雅黑" panose="020B0503020204020204" pitchFamily="34" charset="-122"/>
+                <a:ea typeface="微软雅黑" panose="020B0503020204020204" pitchFamily="34" charset="-122"/>
+              </a:rPr>
+              <a:t>…</a:t>
+            </a:r>
+            <a:endParaRPr lang="zh-CN" altLang="en-US" dirty="0"/>
+          </a:p>
+        </p:txBody>
+      </p:sp>
+      <p:sp>
+        <p:nvSpPr>
+          <p:cNvPr id="33" name="矩形 32">
+            <a:extLst>
+              <a:ext uri="{FF2B5EF4-FFF2-40B4-BE49-F238E27FC236}">
+                <a16:creationId xmlns:a16="http://schemas.microsoft.com/office/drawing/2014/main" id="{69A50B19-6BB3-4143-B599-FBA767A37E79}"/>
+              </a:ext>
+            </a:extLst>
+          </p:cNvPr>
+          <p:cNvSpPr/>
+          <p:nvPr/>
+        </p:nvSpPr>
+        <p:spPr>
+          <a:xfrm>
+            <a:off x="9102177" y="3134787"/>
+            <a:ext cx="739302" cy="330741"/>
+          </a:xfrm>
+          <a:prstGeom prst="rect">
+            <a:avLst/>
+          </a:prstGeom>
+        </p:spPr>
+        <p:style>
+          <a:lnRef idx="2">
+            <a:schemeClr val="accent4">
+              <a:shade val="50000"/>
+            </a:schemeClr>
+          </a:lnRef>
+          <a:fillRef idx="1">
+            <a:schemeClr val="accent4"/>
+          </a:fillRef>
+          <a:effectRef idx="0">
+            <a:schemeClr val="accent4"/>
+          </a:effectRef>
+          <a:fontRef idx="minor">
+            <a:schemeClr val="lt1"/>
+          </a:fontRef>
+        </p:style>
+        <p:txBody>
+          <a:bodyPr rtlCol="0" anchor="ctr"/>
+          <a:lstStyle/>
+          <a:p>
+            <a:pPr algn="ctr"/>
+            <a:r>
+              <a:rPr lang="en-US" altLang="zh-CN" sz="1600" dirty="0">
+                <a:latin typeface="微软雅黑" panose="020B0503020204020204" pitchFamily="34" charset="-122"/>
+                <a:ea typeface="微软雅黑" panose="020B0503020204020204" pitchFamily="34" charset="-122"/>
+              </a:rPr>
+              <a:t>…</a:t>
+            </a:r>
+            <a:endParaRPr lang="zh-CN" altLang="en-US" sz="1600" dirty="0">
+              <a:latin typeface="微软雅黑" panose="020B0503020204020204" pitchFamily="34" charset="-122"/>
+              <a:ea typeface="微软雅黑" panose="020B0503020204020204" pitchFamily="34" charset="-122"/>
+            </a:endParaRPr>
+          </a:p>
+        </p:txBody>
+      </p:sp>
+      <p:sp>
+        <p:nvSpPr>
+          <p:cNvPr id="34" name="矩形 33">
+            <a:extLst>
+              <a:ext uri="{FF2B5EF4-FFF2-40B4-BE49-F238E27FC236}">
+                <a16:creationId xmlns:a16="http://schemas.microsoft.com/office/drawing/2014/main" id="{3F327243-E49C-4C0B-B994-481B284232EC}"/>
+              </a:ext>
+            </a:extLst>
+          </p:cNvPr>
+          <p:cNvSpPr/>
+          <p:nvPr/>
+        </p:nvSpPr>
+        <p:spPr>
+          <a:xfrm>
+            <a:off x="9102177" y="3625704"/>
+            <a:ext cx="739302" cy="330741"/>
+          </a:xfrm>
+          <a:prstGeom prst="rect">
+            <a:avLst/>
+          </a:prstGeom>
+        </p:spPr>
+        <p:style>
+          <a:lnRef idx="2">
+            <a:schemeClr val="accent4">
+              <a:shade val="50000"/>
+            </a:schemeClr>
+          </a:lnRef>
+          <a:fillRef idx="1">
+            <a:schemeClr val="accent4"/>
+          </a:fillRef>
+          <a:effectRef idx="0">
+            <a:schemeClr val="accent4"/>
+          </a:effectRef>
+          <a:fontRef idx="minor">
+            <a:schemeClr val="lt1"/>
+          </a:fontRef>
+        </p:style>
+        <p:txBody>
+          <a:bodyPr rtlCol="0" anchor="ctr"/>
+          <a:lstStyle/>
+          <a:p>
+            <a:pPr algn="ctr"/>
+            <a:r>
+              <a:rPr lang="en-US" altLang="zh-CN" sz="1600" dirty="0">
+                <a:latin typeface="微软雅黑" panose="020B0503020204020204" pitchFamily="34" charset="-122"/>
+                <a:ea typeface="微软雅黑" panose="020B0503020204020204" pitchFamily="34" charset="-122"/>
+              </a:rPr>
+              <a:t>…</a:t>
+            </a:r>
+            <a:endParaRPr lang="zh-CN" altLang="en-US" dirty="0"/>
+          </a:p>
+        </p:txBody>
+      </p:sp>
+      <p:sp>
+        <p:nvSpPr>
+          <p:cNvPr id="35" name="矩形 34">
+            <a:extLst>
+              <a:ext uri="{FF2B5EF4-FFF2-40B4-BE49-F238E27FC236}">
+                <a16:creationId xmlns:a16="http://schemas.microsoft.com/office/drawing/2014/main" id="{074BF256-03F3-4116-9B03-8015298C3370}"/>
+              </a:ext>
+            </a:extLst>
+          </p:cNvPr>
+          <p:cNvSpPr/>
+          <p:nvPr/>
+        </p:nvSpPr>
+        <p:spPr>
+          <a:xfrm>
+            <a:off x="9102177" y="4127770"/>
+            <a:ext cx="739302" cy="288588"/>
+          </a:xfrm>
+          <a:prstGeom prst="rect">
+            <a:avLst/>
+          </a:prstGeom>
+        </p:spPr>
+        <p:style>
+          <a:lnRef idx="2">
+            <a:schemeClr val="accent4">
+              <a:shade val="50000"/>
+            </a:schemeClr>
+          </a:lnRef>
+          <a:fillRef idx="1">
+            <a:schemeClr val="accent4"/>
+          </a:fillRef>
+          <a:effectRef idx="0">
+            <a:schemeClr val="accent4"/>
+          </a:effectRef>
+          <a:fontRef idx="minor">
+            <a:schemeClr val="lt1"/>
+          </a:fontRef>
+        </p:style>
+        <p:txBody>
+          <a:bodyPr rtlCol="0" anchor="ctr"/>
+          <a:lstStyle/>
+          <a:p>
+            <a:pPr algn="ctr"/>
+            <a:r>
+              <a:rPr lang="en-US" altLang="zh-CN" sz="1600" dirty="0">
+                <a:latin typeface="微软雅黑" panose="020B0503020204020204" pitchFamily="34" charset="-122"/>
+                <a:ea typeface="微软雅黑" panose="020B0503020204020204" pitchFamily="34" charset="-122"/>
+              </a:rPr>
+              <a:t>…</a:t>
+            </a:r>
+            <a:endParaRPr lang="zh-CN" altLang="en-US" sz="1600" dirty="0">
+              <a:latin typeface="微软雅黑" panose="020B0503020204020204" pitchFamily="34" charset="-122"/>
+              <a:ea typeface="微软雅黑" panose="020B0503020204020204" pitchFamily="34" charset="-122"/>
+            </a:endParaRPr>
+          </a:p>
+        </p:txBody>
+      </p:sp>
+      <p:sp>
+        <p:nvSpPr>
+          <p:cNvPr id="7" name="矩形 6">
+            <a:extLst>
+              <a:ext uri="{FF2B5EF4-FFF2-40B4-BE49-F238E27FC236}">
+                <a16:creationId xmlns:a16="http://schemas.microsoft.com/office/drawing/2014/main" id="{497451A4-94DC-4DB1-AB5C-9C07B3265982}"/>
+              </a:ext>
+            </a:extLst>
+          </p:cNvPr>
+          <p:cNvSpPr/>
+          <p:nvPr/>
+        </p:nvSpPr>
+        <p:spPr>
+          <a:xfrm>
+            <a:off x="1096520" y="5165387"/>
+            <a:ext cx="1507787" cy="739302"/>
           </a:xfrm>
           <a:prstGeom prst="rect">
             <a:avLst/>
@@ -7579,16 +7402,22 @@
           <a:lstStyle/>
           <a:p>
             <a:pPr algn="ctr"/>
-            <a:endParaRPr lang="zh-CN" altLang="en-US"/>
-          </a:p>
-        </p:txBody>
-      </p:sp>
-      <p:sp>
-        <p:nvSpPr>
-          <p:cNvPr id="13" name="矩形 12">
+            <a:r>
+              <a:rPr lang="zh-CN" altLang="en-US" dirty="0">
+                <a:latin typeface="微软雅黑" panose="020B0503020204020204" pitchFamily="34" charset="-122"/>
+                <a:ea typeface="微软雅黑" panose="020B0503020204020204" pitchFamily="34" charset="-122"/>
+              </a:rPr>
+              <a:t>秋</a:t>
+            </a:r>
+          </a:p>
+        </p:txBody>
+      </p:sp>
+      <p:sp>
+        <p:nvSpPr>
+          <p:cNvPr id="36" name="矩形 35">
             <a:extLst>
               <a:ext uri="{FF2B5EF4-FFF2-40B4-BE49-F238E27FC236}">
-                <a16:creationId xmlns:a16="http://schemas.microsoft.com/office/drawing/2014/main" id="{249DB848-46C3-4F51-AF3F-CAF8EC9C7FDD}"/>
+                <a16:creationId xmlns:a16="http://schemas.microsoft.com/office/drawing/2014/main" id="{FC54613B-AF58-4389-91A8-4FF8291DA5BC}"/>
               </a:ext>
             </a:extLst>
           </p:cNvPr>
@@ -7597,8 +7426,8 @@
         </p:nvSpPr>
         <p:spPr>
           <a:xfrm>
-            <a:off x="960120" y="697230"/>
-            <a:ext cx="1657350" cy="739684"/>
+            <a:off x="3441644" y="5165387"/>
+            <a:ext cx="1507787" cy="739302"/>
           </a:xfrm>
           <a:prstGeom prst="rect">
             <a:avLst/>
@@ -7630,19 +7459,150 @@
                 <a:latin typeface="微软雅黑" panose="020B0503020204020204" pitchFamily="34" charset="-122"/>
                 <a:ea typeface="微软雅黑" panose="020B0503020204020204" pitchFamily="34" charset="-122"/>
               </a:rPr>
-              <a:t>生物特性：</a:t>
-            </a:r>
-            <a:r>
-              <a:rPr lang="en-US" altLang="zh-CN" dirty="0">
+              <a:t>冬</a:t>
+            </a:r>
+          </a:p>
+        </p:txBody>
+      </p:sp>
+      <p:sp>
+        <p:nvSpPr>
+          <p:cNvPr id="37" name="矩形 36">
+            <a:extLst>
+              <a:ext uri="{FF2B5EF4-FFF2-40B4-BE49-F238E27FC236}">
+                <a16:creationId xmlns:a16="http://schemas.microsoft.com/office/drawing/2014/main" id="{F21D63BA-A4C7-42A6-810E-7B7862EC8325}"/>
+              </a:ext>
+            </a:extLst>
+          </p:cNvPr>
+          <p:cNvSpPr/>
+          <p:nvPr/>
+        </p:nvSpPr>
+        <p:spPr>
+          <a:xfrm>
+            <a:off x="5971777" y="5165387"/>
+            <a:ext cx="1507787" cy="739302"/>
+          </a:xfrm>
+          <a:prstGeom prst="rect">
+            <a:avLst/>
+          </a:prstGeom>
+        </p:spPr>
+        <p:style>
+          <a:lnRef idx="2">
+            <a:schemeClr val="accent1">
+              <a:shade val="50000"/>
+            </a:schemeClr>
+          </a:lnRef>
+          <a:fillRef idx="1">
+            <a:schemeClr val="accent1"/>
+          </a:fillRef>
+          <a:effectRef idx="0">
+            <a:schemeClr val="accent1"/>
+          </a:effectRef>
+          <a:fontRef idx="minor">
+            <a:schemeClr val="lt1"/>
+          </a:fontRef>
+        </p:style>
+        <p:txBody>
+          <a:bodyPr rtlCol="0" anchor="ctr"/>
+          <a:lstStyle/>
+          <a:p>
+            <a:pPr algn="ctr"/>
+            <a:r>
+              <a:rPr lang="zh-CN" altLang="en-US" dirty="0">
                 <a:latin typeface="微软雅黑" panose="020B0503020204020204" pitchFamily="34" charset="-122"/>
                 <a:ea typeface="微软雅黑" panose="020B0503020204020204" pitchFamily="34" charset="-122"/>
               </a:rPr>
-              <a:t>xxx</a:t>
-            </a:r>
-            <a:endParaRPr lang="zh-CN" altLang="en-US" dirty="0">
-              <a:latin typeface="微软雅黑" panose="020B0503020204020204" pitchFamily="34" charset="-122"/>
-              <a:ea typeface="微软雅黑" panose="020B0503020204020204" pitchFamily="34" charset="-122"/>
-            </a:endParaRPr>
+              <a:t>春</a:t>
+            </a:r>
+          </a:p>
+        </p:txBody>
+      </p:sp>
+      <p:sp>
+        <p:nvSpPr>
+          <p:cNvPr id="38" name="矩形 37">
+            <a:extLst>
+              <a:ext uri="{FF2B5EF4-FFF2-40B4-BE49-F238E27FC236}">
+                <a16:creationId xmlns:a16="http://schemas.microsoft.com/office/drawing/2014/main" id="{AF5000E9-0889-47B2-8FCE-BCB3BA5C0FCF}"/>
+              </a:ext>
+            </a:extLst>
+          </p:cNvPr>
+          <p:cNvSpPr/>
+          <p:nvPr/>
+        </p:nvSpPr>
+        <p:spPr>
+          <a:xfrm>
+            <a:off x="8501910" y="5165387"/>
+            <a:ext cx="1507787" cy="739302"/>
+          </a:xfrm>
+          <a:prstGeom prst="rect">
+            <a:avLst/>
+          </a:prstGeom>
+        </p:spPr>
+        <p:style>
+          <a:lnRef idx="2">
+            <a:schemeClr val="accent1">
+              <a:shade val="50000"/>
+            </a:schemeClr>
+          </a:lnRef>
+          <a:fillRef idx="1">
+            <a:schemeClr val="accent1"/>
+          </a:fillRef>
+          <a:effectRef idx="0">
+            <a:schemeClr val="accent1"/>
+          </a:effectRef>
+          <a:fontRef idx="minor">
+            <a:schemeClr val="lt1"/>
+          </a:fontRef>
+        </p:style>
+        <p:txBody>
+          <a:bodyPr rtlCol="0" anchor="ctr"/>
+          <a:lstStyle/>
+          <a:p>
+            <a:pPr algn="ctr"/>
+            <a:r>
+              <a:rPr lang="zh-CN" altLang="en-US" dirty="0">
+                <a:latin typeface="微软雅黑" panose="020B0503020204020204" pitchFamily="34" charset="-122"/>
+                <a:ea typeface="微软雅黑" panose="020B0503020204020204" pitchFamily="34" charset="-122"/>
+              </a:rPr>
+              <a:t>夏</a:t>
+            </a:r>
+          </a:p>
+        </p:txBody>
+      </p:sp>
+      <p:sp>
+        <p:nvSpPr>
+          <p:cNvPr id="39" name="文本框 38">
+            <a:extLst>
+              <a:ext uri="{FF2B5EF4-FFF2-40B4-BE49-F238E27FC236}">
+                <a16:creationId xmlns:a16="http://schemas.microsoft.com/office/drawing/2014/main" id="{E9869F3F-0FA9-428E-850F-59831022DBB6}"/>
+              </a:ext>
+            </a:extLst>
+          </p:cNvPr>
+          <p:cNvSpPr txBox="1"/>
+          <p:nvPr/>
+        </p:nvSpPr>
+        <p:spPr>
+          <a:xfrm>
+            <a:off x="963038" y="6264614"/>
+            <a:ext cx="5904690" cy="369332"/>
+          </a:xfrm>
+          <a:prstGeom prst="rect">
+            <a:avLst/>
+          </a:prstGeom>
+          <a:noFill/>
+        </p:spPr>
+        <p:txBody>
+          <a:bodyPr wrap="square" rtlCol="0">
+            <a:spAutoFit/>
+          </a:bodyPr>
+          <a:lstStyle/>
+          <a:p>
+            <a:r>
+              <a:rPr lang="zh-CN" altLang="en-US" dirty="0">
+                <a:latin typeface="微软雅黑" panose="020B0503020204020204" pitchFamily="34" charset="-122"/>
+                <a:ea typeface="微软雅黑" panose="020B0503020204020204" pitchFamily="34" charset="-122"/>
+              </a:rPr>
+              <a:t>其中春和秋，夏与冬的场景一样，只是季节不同</a:t>
+            </a:r>
           </a:p>
         </p:txBody>
       </p:sp>
@@ -7650,6 +7610,302 @@
     <p:extLst>
       <p:ext uri="{BB962C8B-B14F-4D97-AF65-F5344CB8AC3E}">
         <p14:creationId xmlns:p14="http://schemas.microsoft.com/office/powerpoint/2010/main" val="4176814966"/>
+      </p:ext>
+    </p:extLst>
+  </p:cSld>
+  <p:clrMapOvr>
+    <a:masterClrMapping/>
+  </p:clrMapOvr>
+</p:sld>
+</file>
+
+<file path=ppt/slides/slide4.xml><?xml version="1.0" encoding="utf-8"?>
+<p:sld xmlns:a="http://schemas.openxmlformats.org/drawingml/2006/main" xmlns:r="http://schemas.openxmlformats.org/officeDocument/2006/relationships" xmlns:p="http://schemas.openxmlformats.org/presentationml/2006/main">
+  <p:cSld>
+    <p:spTree>
+      <p:nvGrpSpPr>
+        <p:cNvPr id="1" name=""/>
+        <p:cNvGrpSpPr/>
+        <p:nvPr/>
+      </p:nvGrpSpPr>
+      <p:grpSpPr>
+        <a:xfrm>
+          <a:off x="0" y="0"/>
+          <a:ext cx="0" cy="0"/>
+          <a:chOff x="0" y="0"/>
+          <a:chExt cx="0" cy="0"/>
+        </a:xfrm>
+      </p:grpSpPr>
+      <p:sp>
+        <p:nvSpPr>
+          <p:cNvPr id="2" name="标题 1">
+            <a:extLst>
+              <a:ext uri="{FF2B5EF4-FFF2-40B4-BE49-F238E27FC236}">
+                <a16:creationId xmlns:a16="http://schemas.microsoft.com/office/drawing/2014/main" id="{0B0051CF-9A46-416A-988E-540D148EB96A}"/>
+              </a:ext>
+            </a:extLst>
+          </p:cNvPr>
+          <p:cNvSpPr>
+            <a:spLocks noGrp="1"/>
+          </p:cNvSpPr>
+          <p:nvPr>
+            <p:ph type="ctrTitle"/>
+          </p:nvPr>
+        </p:nvSpPr>
+        <p:spPr>
+          <a:xfrm>
+            <a:off x="1096520" y="99873"/>
+            <a:ext cx="7766936" cy="1646302"/>
+          </a:xfrm>
+        </p:spPr>
+        <p:txBody>
+          <a:bodyPr/>
+          <a:lstStyle/>
+          <a:p>
+            <a:pPr algn="ctr"/>
+            <a:endParaRPr lang="zh-CN" altLang="en-US" sz="2400" dirty="0">
+              <a:latin typeface="微软雅黑" panose="020B0503020204020204" pitchFamily="34" charset="-122"/>
+              <a:ea typeface="微软雅黑" panose="020B0503020204020204" pitchFamily="34" charset="-122"/>
+            </a:endParaRPr>
+          </a:p>
+        </p:txBody>
+      </p:sp>
+      <p:pic>
+        <p:nvPicPr>
+          <p:cNvPr id="3" name="图片 2">
+            <a:extLst>
+              <a:ext uri="{FF2B5EF4-FFF2-40B4-BE49-F238E27FC236}">
+                <a16:creationId xmlns:a16="http://schemas.microsoft.com/office/drawing/2014/main" id="{ED575E9D-7B24-43E3-A958-081F851AEFF2}"/>
+              </a:ext>
+            </a:extLst>
+          </p:cNvPr>
+          <p:cNvPicPr>
+            <a:picLocks noChangeAspect="1"/>
+          </p:cNvPicPr>
+          <p:nvPr/>
+        </p:nvPicPr>
+        <p:blipFill>
+          <a:blip r:embed="rId2"/>
+          <a:stretch>
+            <a:fillRect/>
+          </a:stretch>
+        </p:blipFill>
+        <p:spPr>
+          <a:xfrm>
+            <a:off x="885232" y="673805"/>
+            <a:ext cx="8870449" cy="4861981"/>
+          </a:xfrm>
+          <a:prstGeom prst="rect">
+            <a:avLst/>
+          </a:prstGeom>
+        </p:spPr>
+      </p:pic>
+    </p:spTree>
+    <p:extLst>
+      <p:ext uri="{BB962C8B-B14F-4D97-AF65-F5344CB8AC3E}">
+        <p14:creationId xmlns:p14="http://schemas.microsoft.com/office/powerpoint/2010/main" val="3911536648"/>
+      </p:ext>
+    </p:extLst>
+  </p:cSld>
+  <p:clrMapOvr>
+    <a:masterClrMapping/>
+  </p:clrMapOvr>
+</p:sld>
+</file>
+
+<file path=ppt/slides/slide5.xml><?xml version="1.0" encoding="utf-8"?>
+<p:sld xmlns:a="http://schemas.openxmlformats.org/drawingml/2006/main" xmlns:r="http://schemas.openxmlformats.org/officeDocument/2006/relationships" xmlns:p="http://schemas.openxmlformats.org/presentationml/2006/main">
+  <p:cSld>
+    <p:spTree>
+      <p:nvGrpSpPr>
+        <p:cNvPr id="1" name=""/>
+        <p:cNvGrpSpPr/>
+        <p:nvPr/>
+      </p:nvGrpSpPr>
+      <p:grpSpPr>
+        <a:xfrm>
+          <a:off x="0" y="0"/>
+          <a:ext cx="0" cy="0"/>
+          <a:chOff x="0" y="0"/>
+          <a:chExt cx="0" cy="0"/>
+        </a:xfrm>
+      </p:grpSpPr>
+      <p:sp>
+        <p:nvSpPr>
+          <p:cNvPr id="2" name="标题 1">
+            <a:extLst>
+              <a:ext uri="{FF2B5EF4-FFF2-40B4-BE49-F238E27FC236}">
+                <a16:creationId xmlns:a16="http://schemas.microsoft.com/office/drawing/2014/main" id="{E00ECD56-8B08-40F4-BA3F-5A5696F3C7AE}"/>
+              </a:ext>
+            </a:extLst>
+          </p:cNvPr>
+          <p:cNvSpPr>
+            <a:spLocks noGrp="1"/>
+          </p:cNvSpPr>
+          <p:nvPr>
+            <p:ph type="title"/>
+          </p:nvPr>
+        </p:nvSpPr>
+        <p:spPr/>
+        <p:txBody>
+          <a:bodyPr/>
+          <a:lstStyle/>
+          <a:p>
+            <a:r>
+              <a:rPr lang="zh-CN" altLang="en-US" dirty="0">
+                <a:latin typeface="微软雅黑" panose="020B0503020204020204" pitchFamily="34" charset="-122"/>
+                <a:ea typeface="微软雅黑" panose="020B0503020204020204" pitchFamily="34" charset="-122"/>
+              </a:rPr>
+              <a:t>游戏操作</a:t>
+            </a:r>
+          </a:p>
+        </p:txBody>
+      </p:sp>
+      <p:sp>
+        <p:nvSpPr>
+          <p:cNvPr id="3" name="内容占位符 2">
+            <a:extLst>
+              <a:ext uri="{FF2B5EF4-FFF2-40B4-BE49-F238E27FC236}">
+                <a16:creationId xmlns:a16="http://schemas.microsoft.com/office/drawing/2014/main" id="{0279C352-B5C1-4CED-8D84-81F3FB3883C7}"/>
+              </a:ext>
+            </a:extLst>
+          </p:cNvPr>
+          <p:cNvSpPr>
+            <a:spLocks noGrp="1"/>
+          </p:cNvSpPr>
+          <p:nvPr>
+            <p:ph idx="1"/>
+          </p:nvPr>
+        </p:nvSpPr>
+        <p:spPr/>
+        <p:txBody>
+          <a:bodyPr/>
+          <a:lstStyle/>
+          <a:p>
+            <a:r>
+              <a:rPr lang="zh-CN" altLang="en-US" dirty="0">
+                <a:latin typeface="微软雅黑" panose="020B0503020204020204" pitchFamily="34" charset="-122"/>
+                <a:ea typeface="微软雅黑" panose="020B0503020204020204" pitchFamily="34" charset="-122"/>
+              </a:rPr>
+              <a:t>玩家可以滑动屏幕（上下左右），控制飞行高度和方向，从而穿越特殊地形或躲避场景中的危险，也可以吃到场景中掉落的星星物品获取奖励。还可以在屏幕上转圈，使小鸟旋转</a:t>
+            </a:r>
+            <a:r>
+              <a:rPr lang="zh-CN" altLang="en-US">
+                <a:latin typeface="微软雅黑" panose="020B0503020204020204" pitchFamily="34" charset="-122"/>
+                <a:ea typeface="微软雅黑" panose="020B0503020204020204" pitchFamily="34" charset="-122"/>
+              </a:rPr>
+              <a:t>飞行，从而完成</a:t>
+            </a:r>
+            <a:r>
+              <a:rPr lang="zh-CN" altLang="en-US" dirty="0">
+                <a:latin typeface="微软雅黑" panose="020B0503020204020204" pitchFamily="34" charset="-122"/>
+                <a:ea typeface="微软雅黑" panose="020B0503020204020204" pitchFamily="34" charset="-122"/>
+              </a:rPr>
+              <a:t>各种高难度的旋转，飞行。</a:t>
+            </a:r>
+          </a:p>
+          <a:p>
+            <a:endParaRPr lang="zh-CN" altLang="en-US" dirty="0"/>
+          </a:p>
+        </p:txBody>
+      </p:sp>
+    </p:spTree>
+    <p:extLst>
+      <p:ext uri="{BB962C8B-B14F-4D97-AF65-F5344CB8AC3E}">
+        <p14:creationId xmlns:p14="http://schemas.microsoft.com/office/powerpoint/2010/main" val="2218211370"/>
+      </p:ext>
+    </p:extLst>
+  </p:cSld>
+  <p:clrMapOvr>
+    <a:masterClrMapping/>
+  </p:clrMapOvr>
+</p:sld>
+</file>
+
+<file path=ppt/slides/slide6.xml><?xml version="1.0" encoding="utf-8"?>
+<p:sld xmlns:a="http://schemas.openxmlformats.org/drawingml/2006/main" xmlns:r="http://schemas.openxmlformats.org/officeDocument/2006/relationships" xmlns:p="http://schemas.openxmlformats.org/presentationml/2006/main">
+  <p:cSld>
+    <p:spTree>
+      <p:nvGrpSpPr>
+        <p:cNvPr id="1" name=""/>
+        <p:cNvGrpSpPr/>
+        <p:nvPr/>
+      </p:nvGrpSpPr>
+      <p:grpSpPr>
+        <a:xfrm>
+          <a:off x="0" y="0"/>
+          <a:ext cx="0" cy="0"/>
+          <a:chOff x="0" y="0"/>
+          <a:chExt cx="0" cy="0"/>
+        </a:xfrm>
+      </p:grpSpPr>
+      <p:sp>
+        <p:nvSpPr>
+          <p:cNvPr id="2" name="标题 1">
+            <a:extLst>
+              <a:ext uri="{FF2B5EF4-FFF2-40B4-BE49-F238E27FC236}">
+                <a16:creationId xmlns:a16="http://schemas.microsoft.com/office/drawing/2014/main" id="{56EEC262-A394-4250-85BF-EDAE119B4775}"/>
+              </a:ext>
+            </a:extLst>
+          </p:cNvPr>
+          <p:cNvSpPr>
+            <a:spLocks noGrp="1"/>
+          </p:cNvSpPr>
+          <p:nvPr>
+            <p:ph type="title"/>
+          </p:nvPr>
+        </p:nvSpPr>
+        <p:spPr/>
+        <p:txBody>
+          <a:bodyPr/>
+          <a:lstStyle/>
+          <a:p>
+            <a:r>
+              <a:rPr lang="zh-CN" altLang="en-US" dirty="0">
+                <a:latin typeface="微软雅黑" panose="020B0503020204020204" pitchFamily="34" charset="-122"/>
+                <a:ea typeface="微软雅黑" panose="020B0503020204020204" pitchFamily="34" charset="-122"/>
+              </a:rPr>
+              <a:t>游戏设计</a:t>
+            </a:r>
+          </a:p>
+        </p:txBody>
+      </p:sp>
+      <p:sp>
+        <p:nvSpPr>
+          <p:cNvPr id="3" name="内容占位符 2">
+            <a:extLst>
+              <a:ext uri="{FF2B5EF4-FFF2-40B4-BE49-F238E27FC236}">
+                <a16:creationId xmlns:a16="http://schemas.microsoft.com/office/drawing/2014/main" id="{5DE80515-0B41-4AA3-8C40-BCC3302A9A18}"/>
+              </a:ext>
+            </a:extLst>
+          </p:cNvPr>
+          <p:cNvSpPr>
+            <a:spLocks noGrp="1"/>
+          </p:cNvSpPr>
+          <p:nvPr>
+            <p:ph idx="1"/>
+          </p:nvPr>
+        </p:nvSpPr>
+        <p:spPr/>
+        <p:txBody>
+          <a:bodyPr/>
+          <a:lstStyle/>
+          <a:p>
+            <a:r>
+              <a:rPr lang="zh-CN" altLang="en-US" dirty="0">
+                <a:latin typeface="微软雅黑" panose="020B0503020204020204" pitchFamily="34" charset="-122"/>
+                <a:ea typeface="微软雅黑" panose="020B0503020204020204" pitchFamily="34" charset="-122"/>
+              </a:rPr>
+              <a:t>希望游戏可以让玩家体验四季的美丽风景，以及同一场景下不同季节呈现的不同景色，也体现了时间的流逝。如夏天经过的小村庄外玩耍的单身狗在冬天经过时找到了另一条狗，并生了一窝小🐶</a:t>
+            </a:r>
+            <a:endParaRPr lang="zh-CN" altLang="en-US" dirty="0"/>
+          </a:p>
+        </p:txBody>
+      </p:sp>
+    </p:spTree>
+    <p:extLst>
+      <p:ext uri="{BB962C8B-B14F-4D97-AF65-F5344CB8AC3E}">
+        <p14:creationId xmlns:p14="http://schemas.microsoft.com/office/powerpoint/2010/main" val="284437631"/>
       </p:ext>
     </p:extLst>
   </p:cSld>

--- a/Share/每周命题游戏设计/葛美玲/四季.pptx
+++ b/Share/每周命题游戏设计/葛美玲/四季.pptx
@@ -7787,21 +7787,7 @@
                 <a:latin typeface="微软雅黑" panose="020B0503020204020204" pitchFamily="34" charset="-122"/>
                 <a:ea typeface="微软雅黑" panose="020B0503020204020204" pitchFamily="34" charset="-122"/>
               </a:rPr>
-              <a:t>玩家可以滑动屏幕（上下左右），控制飞行高度和方向，从而穿越特殊地形或躲避场景中的危险，也可以吃到场景中掉落的星星物品获取奖励。还可以在屏幕上转圈，使小鸟旋转</a:t>
-            </a:r>
-            <a:r>
-              <a:rPr lang="zh-CN" altLang="en-US">
-                <a:latin typeface="微软雅黑" panose="020B0503020204020204" pitchFamily="34" charset="-122"/>
-                <a:ea typeface="微软雅黑" panose="020B0503020204020204" pitchFamily="34" charset="-122"/>
-              </a:rPr>
-              <a:t>飞行，从而完成</a:t>
-            </a:r>
-            <a:r>
-              <a:rPr lang="zh-CN" altLang="en-US" dirty="0">
-                <a:latin typeface="微软雅黑" panose="020B0503020204020204" pitchFamily="34" charset="-122"/>
-                <a:ea typeface="微软雅黑" panose="020B0503020204020204" pitchFamily="34" charset="-122"/>
-              </a:rPr>
-              <a:t>各种高难度的旋转，飞行。</a:t>
+              <a:t>玩家可以使用手柄，控制飞行高度和方向，从而穿越特殊地形或躲避场景中的危险，也可以吃到场景中掉落的星星物品获取奖励。还可以使用特殊按钮，使小鸟旋转飞行，从而完成各种高难度的旋转，飞行。</a:t>
             </a:r>
           </a:p>
           <a:p>
